--- a/Vorlage_Latex_dt/Pictures/Schaubilder.pptx
+++ b/Vorlage_Latex_dt/Pictures/Schaubilder.pptx
@@ -115,6 +115,22 @@
       </a:defRPr>
     </a:lvl9pPr>
   </p:defaultTextStyle>
+  <p:extLst>
+    <p:ext uri="{EFAFB233-063F-42B5-8137-9DF3F51BA10A}">
+      <p15:sldGuideLst xmlns:p15="http://schemas.microsoft.com/office/powerpoint/2012/main">
+        <p15:guide id="1" orient="horz" pos="2160">
+          <p15:clr>
+            <a:srgbClr val="A4A3A4"/>
+          </p15:clr>
+        </p15:guide>
+        <p15:guide id="2" pos="2880">
+          <p15:clr>
+            <a:srgbClr val="A4A3A4"/>
+          </p15:clr>
+        </p15:guide>
+      </p15:sldGuideLst>
+    </p:ext>
+  </p:extLst>
 </p:presentation>
 </file>
 
@@ -156,10 +172,9 @@
           <a:lstStyle/>
           <a:p>
             <a:r>
-              <a:rPr lang="de-DE" smtClean="0"/>
+              <a:rPr lang="de-DE"/>
               <a:t>Titelmasterformat durch Klicken bearbeiten</a:t>
             </a:r>
-            <a:endParaRPr lang="de-DE"/>
           </a:p>
         </p:txBody>
       </p:sp>
@@ -275,10 +290,9 @@
           </a:lstStyle>
           <a:p>
             <a:r>
-              <a:rPr lang="de-DE" smtClean="0"/>
+              <a:rPr lang="de-DE"/>
               <a:t>Formatvorlage des Untertitelmasters durch Klicken bearbeiten</a:t>
             </a:r>
-            <a:endParaRPr lang="de-DE"/>
           </a:p>
         </p:txBody>
       </p:sp>
@@ -299,7 +313,7 @@
           <a:p>
             <a:fld id="{C81CE2D8-DAEC-441B-8D97-AF2CE65CF298}" type="datetimeFigureOut">
               <a:rPr lang="de-DE" smtClean="0"/>
-              <a:t>20.04.2016</a:t>
+              <a:t>09.08.2016</a:t>
             </a:fld>
             <a:endParaRPr lang="de-DE"/>
           </a:p>
@@ -393,10 +407,9 @@
           <a:lstStyle/>
           <a:p>
             <a:r>
-              <a:rPr lang="de-DE" smtClean="0"/>
+              <a:rPr lang="de-DE"/>
               <a:t>Titelmasterformat durch Klicken bearbeiten</a:t>
             </a:r>
-            <a:endParaRPr lang="de-DE"/>
           </a:p>
         </p:txBody>
       </p:sp>
@@ -417,38 +430,37 @@
           <a:p>
             <a:pPr lvl="0"/>
             <a:r>
-              <a:rPr lang="de-DE" smtClean="0"/>
+              <a:rPr lang="de-DE"/>
               <a:t>Textmasterformat bearbeiten</a:t>
             </a:r>
           </a:p>
           <a:p>
             <a:pPr lvl="1"/>
             <a:r>
-              <a:rPr lang="de-DE" smtClean="0"/>
+              <a:rPr lang="de-DE"/>
               <a:t>Zweite Ebene</a:t>
             </a:r>
           </a:p>
           <a:p>
             <a:pPr lvl="2"/>
             <a:r>
-              <a:rPr lang="de-DE" smtClean="0"/>
+              <a:rPr lang="de-DE"/>
               <a:t>Dritte Ebene</a:t>
             </a:r>
           </a:p>
           <a:p>
             <a:pPr lvl="3"/>
             <a:r>
-              <a:rPr lang="de-DE" smtClean="0"/>
+              <a:rPr lang="de-DE"/>
               <a:t>Vierte Ebene</a:t>
             </a:r>
           </a:p>
           <a:p>
             <a:pPr lvl="4"/>
             <a:r>
-              <a:rPr lang="de-DE" smtClean="0"/>
+              <a:rPr lang="de-DE"/>
               <a:t>Fünfte Ebene</a:t>
             </a:r>
-            <a:endParaRPr lang="de-DE"/>
           </a:p>
         </p:txBody>
       </p:sp>
@@ -469,7 +481,7 @@
           <a:p>
             <a:fld id="{C81CE2D8-DAEC-441B-8D97-AF2CE65CF298}" type="datetimeFigureOut">
               <a:rPr lang="de-DE" smtClean="0"/>
-              <a:t>20.04.2016</a:t>
+              <a:t>09.08.2016</a:t>
             </a:fld>
             <a:endParaRPr lang="de-DE"/>
           </a:p>
@@ -568,10 +580,9 @@
           <a:lstStyle/>
           <a:p>
             <a:r>
-              <a:rPr lang="de-DE" smtClean="0"/>
+              <a:rPr lang="de-DE"/>
               <a:t>Titelmasterformat durch Klicken bearbeiten</a:t>
             </a:r>
-            <a:endParaRPr lang="de-DE"/>
           </a:p>
         </p:txBody>
       </p:sp>
@@ -597,38 +608,37 @@
           <a:p>
             <a:pPr lvl="0"/>
             <a:r>
-              <a:rPr lang="de-DE" smtClean="0"/>
+              <a:rPr lang="de-DE"/>
               <a:t>Textmasterformat bearbeiten</a:t>
             </a:r>
           </a:p>
           <a:p>
             <a:pPr lvl="1"/>
             <a:r>
-              <a:rPr lang="de-DE" smtClean="0"/>
+              <a:rPr lang="de-DE"/>
               <a:t>Zweite Ebene</a:t>
             </a:r>
           </a:p>
           <a:p>
             <a:pPr lvl="2"/>
             <a:r>
-              <a:rPr lang="de-DE" smtClean="0"/>
+              <a:rPr lang="de-DE"/>
               <a:t>Dritte Ebene</a:t>
             </a:r>
           </a:p>
           <a:p>
             <a:pPr lvl="3"/>
             <a:r>
-              <a:rPr lang="de-DE" smtClean="0"/>
+              <a:rPr lang="de-DE"/>
               <a:t>Vierte Ebene</a:t>
             </a:r>
           </a:p>
           <a:p>
             <a:pPr lvl="4"/>
             <a:r>
-              <a:rPr lang="de-DE" smtClean="0"/>
+              <a:rPr lang="de-DE"/>
               <a:t>Fünfte Ebene</a:t>
             </a:r>
-            <a:endParaRPr lang="de-DE"/>
           </a:p>
         </p:txBody>
       </p:sp>
@@ -649,7 +659,7 @@
           <a:p>
             <a:fld id="{C81CE2D8-DAEC-441B-8D97-AF2CE65CF298}" type="datetimeFigureOut">
               <a:rPr lang="de-DE" smtClean="0"/>
-              <a:t>20.04.2016</a:t>
+              <a:t>09.08.2016</a:t>
             </a:fld>
             <a:endParaRPr lang="de-DE"/>
           </a:p>
@@ -743,10 +753,9 @@
           <a:lstStyle/>
           <a:p>
             <a:r>
-              <a:rPr lang="de-DE" smtClean="0"/>
+              <a:rPr lang="de-DE"/>
               <a:t>Titelmasterformat durch Klicken bearbeiten</a:t>
             </a:r>
-            <a:endParaRPr lang="de-DE"/>
           </a:p>
         </p:txBody>
       </p:sp>
@@ -767,38 +776,37 @@
           <a:p>
             <a:pPr lvl="0"/>
             <a:r>
-              <a:rPr lang="de-DE" smtClean="0"/>
+              <a:rPr lang="de-DE"/>
               <a:t>Textmasterformat bearbeiten</a:t>
             </a:r>
           </a:p>
           <a:p>
             <a:pPr lvl="1"/>
             <a:r>
-              <a:rPr lang="de-DE" smtClean="0"/>
+              <a:rPr lang="de-DE"/>
               <a:t>Zweite Ebene</a:t>
             </a:r>
           </a:p>
           <a:p>
             <a:pPr lvl="2"/>
             <a:r>
-              <a:rPr lang="de-DE" smtClean="0"/>
+              <a:rPr lang="de-DE"/>
               <a:t>Dritte Ebene</a:t>
             </a:r>
           </a:p>
           <a:p>
             <a:pPr lvl="3"/>
             <a:r>
-              <a:rPr lang="de-DE" smtClean="0"/>
+              <a:rPr lang="de-DE"/>
               <a:t>Vierte Ebene</a:t>
             </a:r>
           </a:p>
           <a:p>
             <a:pPr lvl="4"/>
             <a:r>
-              <a:rPr lang="de-DE" smtClean="0"/>
+              <a:rPr lang="de-DE"/>
               <a:t>Fünfte Ebene</a:t>
             </a:r>
-            <a:endParaRPr lang="de-DE"/>
           </a:p>
         </p:txBody>
       </p:sp>
@@ -819,7 +827,7 @@
           <a:p>
             <a:fld id="{C81CE2D8-DAEC-441B-8D97-AF2CE65CF298}" type="datetimeFigureOut">
               <a:rPr lang="de-DE" smtClean="0"/>
-              <a:t>20.04.2016</a:t>
+              <a:t>09.08.2016</a:t>
             </a:fld>
             <a:endParaRPr lang="de-DE"/>
           </a:p>
@@ -922,10 +930,9 @@
           </a:lstStyle>
           <a:p>
             <a:r>
-              <a:rPr lang="de-DE" smtClean="0"/>
+              <a:rPr lang="de-DE"/>
               <a:t>Titelmasterformat durch Klicken bearbeiten</a:t>
             </a:r>
-            <a:endParaRPr lang="de-DE"/>
           </a:p>
         </p:txBody>
       </p:sp>
@@ -1042,7 +1049,7 @@
           <a:p>
             <a:pPr lvl="0"/>
             <a:r>
-              <a:rPr lang="de-DE" smtClean="0"/>
+              <a:rPr lang="de-DE"/>
               <a:t>Textmasterformat bearbeiten</a:t>
             </a:r>
           </a:p>
@@ -1065,7 +1072,7 @@
           <a:p>
             <a:fld id="{C81CE2D8-DAEC-441B-8D97-AF2CE65CF298}" type="datetimeFigureOut">
               <a:rPr lang="de-DE" smtClean="0"/>
-              <a:t>20.04.2016</a:t>
+              <a:t>09.08.2016</a:t>
             </a:fld>
             <a:endParaRPr lang="de-DE"/>
           </a:p>
@@ -1159,10 +1166,9 @@
           <a:lstStyle/>
           <a:p>
             <a:r>
-              <a:rPr lang="de-DE" smtClean="0"/>
+              <a:rPr lang="de-DE"/>
               <a:t>Titelmasterformat durch Klicken bearbeiten</a:t>
             </a:r>
-            <a:endParaRPr lang="de-DE"/>
           </a:p>
         </p:txBody>
       </p:sp>
@@ -1216,38 +1222,37 @@
           <a:p>
             <a:pPr lvl="0"/>
             <a:r>
-              <a:rPr lang="de-DE" smtClean="0"/>
+              <a:rPr lang="de-DE"/>
               <a:t>Textmasterformat bearbeiten</a:t>
             </a:r>
           </a:p>
           <a:p>
             <a:pPr lvl="1"/>
             <a:r>
-              <a:rPr lang="de-DE" smtClean="0"/>
+              <a:rPr lang="de-DE"/>
               <a:t>Zweite Ebene</a:t>
             </a:r>
           </a:p>
           <a:p>
             <a:pPr lvl="2"/>
             <a:r>
-              <a:rPr lang="de-DE" smtClean="0"/>
+              <a:rPr lang="de-DE"/>
               <a:t>Dritte Ebene</a:t>
             </a:r>
           </a:p>
           <a:p>
             <a:pPr lvl="3"/>
             <a:r>
-              <a:rPr lang="de-DE" smtClean="0"/>
+              <a:rPr lang="de-DE"/>
               <a:t>Vierte Ebene</a:t>
             </a:r>
           </a:p>
           <a:p>
             <a:pPr lvl="4"/>
             <a:r>
-              <a:rPr lang="de-DE" smtClean="0"/>
+              <a:rPr lang="de-DE"/>
               <a:t>Fünfte Ebene</a:t>
             </a:r>
-            <a:endParaRPr lang="de-DE"/>
           </a:p>
         </p:txBody>
       </p:sp>
@@ -1301,38 +1306,37 @@
           <a:p>
             <a:pPr lvl="0"/>
             <a:r>
-              <a:rPr lang="de-DE" smtClean="0"/>
+              <a:rPr lang="de-DE"/>
               <a:t>Textmasterformat bearbeiten</a:t>
             </a:r>
           </a:p>
           <a:p>
             <a:pPr lvl="1"/>
             <a:r>
-              <a:rPr lang="de-DE" smtClean="0"/>
+              <a:rPr lang="de-DE"/>
               <a:t>Zweite Ebene</a:t>
             </a:r>
           </a:p>
           <a:p>
             <a:pPr lvl="2"/>
             <a:r>
-              <a:rPr lang="de-DE" smtClean="0"/>
+              <a:rPr lang="de-DE"/>
               <a:t>Dritte Ebene</a:t>
             </a:r>
           </a:p>
           <a:p>
             <a:pPr lvl="3"/>
             <a:r>
-              <a:rPr lang="de-DE" smtClean="0"/>
+              <a:rPr lang="de-DE"/>
               <a:t>Vierte Ebene</a:t>
             </a:r>
           </a:p>
           <a:p>
             <a:pPr lvl="4"/>
             <a:r>
-              <a:rPr lang="de-DE" smtClean="0"/>
+              <a:rPr lang="de-DE"/>
               <a:t>Fünfte Ebene</a:t>
             </a:r>
-            <a:endParaRPr lang="de-DE"/>
           </a:p>
         </p:txBody>
       </p:sp>
@@ -1353,7 +1357,7 @@
           <a:p>
             <a:fld id="{C81CE2D8-DAEC-441B-8D97-AF2CE65CF298}" type="datetimeFigureOut">
               <a:rPr lang="de-DE" smtClean="0"/>
-              <a:t>20.04.2016</a:t>
+              <a:t>09.08.2016</a:t>
             </a:fld>
             <a:endParaRPr lang="de-DE"/>
           </a:p>
@@ -1451,10 +1455,9 @@
           </a:lstStyle>
           <a:p>
             <a:r>
-              <a:rPr lang="de-DE" smtClean="0"/>
+              <a:rPr lang="de-DE"/>
               <a:t>Titelmasterformat durch Klicken bearbeiten</a:t>
             </a:r>
-            <a:endParaRPr lang="de-DE"/>
           </a:p>
         </p:txBody>
       </p:sp>
@@ -1517,7 +1520,7 @@
           <a:p>
             <a:pPr lvl="0"/>
             <a:r>
-              <a:rPr lang="de-DE" smtClean="0"/>
+              <a:rPr lang="de-DE"/>
               <a:t>Textmasterformat bearbeiten</a:t>
             </a:r>
           </a:p>
@@ -1573,38 +1576,37 @@
           <a:p>
             <a:pPr lvl="0"/>
             <a:r>
-              <a:rPr lang="de-DE" smtClean="0"/>
+              <a:rPr lang="de-DE"/>
               <a:t>Textmasterformat bearbeiten</a:t>
             </a:r>
           </a:p>
           <a:p>
             <a:pPr lvl="1"/>
             <a:r>
-              <a:rPr lang="de-DE" smtClean="0"/>
+              <a:rPr lang="de-DE"/>
               <a:t>Zweite Ebene</a:t>
             </a:r>
           </a:p>
           <a:p>
             <a:pPr lvl="2"/>
             <a:r>
-              <a:rPr lang="de-DE" smtClean="0"/>
+              <a:rPr lang="de-DE"/>
               <a:t>Dritte Ebene</a:t>
             </a:r>
           </a:p>
           <a:p>
             <a:pPr lvl="3"/>
             <a:r>
-              <a:rPr lang="de-DE" smtClean="0"/>
+              <a:rPr lang="de-DE"/>
               <a:t>Vierte Ebene</a:t>
             </a:r>
           </a:p>
           <a:p>
             <a:pPr lvl="4"/>
             <a:r>
-              <a:rPr lang="de-DE" smtClean="0"/>
+              <a:rPr lang="de-DE"/>
               <a:t>Fünfte Ebene</a:t>
             </a:r>
-            <a:endParaRPr lang="de-DE"/>
           </a:p>
         </p:txBody>
       </p:sp>
@@ -1667,7 +1669,7 @@
           <a:p>
             <a:pPr lvl="0"/>
             <a:r>
-              <a:rPr lang="de-DE" smtClean="0"/>
+              <a:rPr lang="de-DE"/>
               <a:t>Textmasterformat bearbeiten</a:t>
             </a:r>
           </a:p>
@@ -1723,38 +1725,37 @@
           <a:p>
             <a:pPr lvl="0"/>
             <a:r>
-              <a:rPr lang="de-DE" smtClean="0"/>
+              <a:rPr lang="de-DE"/>
               <a:t>Textmasterformat bearbeiten</a:t>
             </a:r>
           </a:p>
           <a:p>
             <a:pPr lvl="1"/>
             <a:r>
-              <a:rPr lang="de-DE" smtClean="0"/>
+              <a:rPr lang="de-DE"/>
               <a:t>Zweite Ebene</a:t>
             </a:r>
           </a:p>
           <a:p>
             <a:pPr lvl="2"/>
             <a:r>
-              <a:rPr lang="de-DE" smtClean="0"/>
+              <a:rPr lang="de-DE"/>
               <a:t>Dritte Ebene</a:t>
             </a:r>
           </a:p>
           <a:p>
             <a:pPr lvl="3"/>
             <a:r>
-              <a:rPr lang="de-DE" smtClean="0"/>
+              <a:rPr lang="de-DE"/>
               <a:t>Vierte Ebene</a:t>
             </a:r>
           </a:p>
           <a:p>
             <a:pPr lvl="4"/>
             <a:r>
-              <a:rPr lang="de-DE" smtClean="0"/>
+              <a:rPr lang="de-DE"/>
               <a:t>Fünfte Ebene</a:t>
             </a:r>
-            <a:endParaRPr lang="de-DE"/>
           </a:p>
         </p:txBody>
       </p:sp>
@@ -1775,7 +1776,7 @@
           <a:p>
             <a:fld id="{C81CE2D8-DAEC-441B-8D97-AF2CE65CF298}" type="datetimeFigureOut">
               <a:rPr lang="de-DE" smtClean="0"/>
-              <a:t>20.04.2016</a:t>
+              <a:t>09.08.2016</a:t>
             </a:fld>
             <a:endParaRPr lang="de-DE"/>
           </a:p>
@@ -1869,10 +1870,9 @@
           <a:lstStyle/>
           <a:p>
             <a:r>
-              <a:rPr lang="de-DE" smtClean="0"/>
+              <a:rPr lang="de-DE"/>
               <a:t>Titelmasterformat durch Klicken bearbeiten</a:t>
             </a:r>
-            <a:endParaRPr lang="de-DE"/>
           </a:p>
         </p:txBody>
       </p:sp>
@@ -1893,7 +1893,7 @@
           <a:p>
             <a:fld id="{C81CE2D8-DAEC-441B-8D97-AF2CE65CF298}" type="datetimeFigureOut">
               <a:rPr lang="de-DE" smtClean="0"/>
-              <a:t>20.04.2016</a:t>
+              <a:t>09.08.2016</a:t>
             </a:fld>
             <a:endParaRPr lang="de-DE"/>
           </a:p>
@@ -1988,7 +1988,7 @@
           <a:p>
             <a:fld id="{C81CE2D8-DAEC-441B-8D97-AF2CE65CF298}" type="datetimeFigureOut">
               <a:rPr lang="de-DE" smtClean="0"/>
-              <a:t>20.04.2016</a:t>
+              <a:t>09.08.2016</a:t>
             </a:fld>
             <a:endParaRPr lang="de-DE"/>
           </a:p>
@@ -2091,10 +2091,9 @@
           </a:lstStyle>
           <a:p>
             <a:r>
-              <a:rPr lang="de-DE" smtClean="0"/>
+              <a:rPr lang="de-DE"/>
               <a:t>Titelmasterformat durch Klicken bearbeiten</a:t>
             </a:r>
-            <a:endParaRPr lang="de-DE"/>
           </a:p>
         </p:txBody>
       </p:sp>
@@ -2148,38 +2147,37 @@
           <a:p>
             <a:pPr lvl="0"/>
             <a:r>
-              <a:rPr lang="de-DE" smtClean="0"/>
+              <a:rPr lang="de-DE"/>
               <a:t>Textmasterformat bearbeiten</a:t>
             </a:r>
           </a:p>
           <a:p>
             <a:pPr lvl="1"/>
             <a:r>
-              <a:rPr lang="de-DE" smtClean="0"/>
+              <a:rPr lang="de-DE"/>
               <a:t>Zweite Ebene</a:t>
             </a:r>
           </a:p>
           <a:p>
             <a:pPr lvl="2"/>
             <a:r>
-              <a:rPr lang="de-DE" smtClean="0"/>
+              <a:rPr lang="de-DE"/>
               <a:t>Dritte Ebene</a:t>
             </a:r>
           </a:p>
           <a:p>
             <a:pPr lvl="3"/>
             <a:r>
-              <a:rPr lang="de-DE" smtClean="0"/>
+              <a:rPr lang="de-DE"/>
               <a:t>Vierte Ebene</a:t>
             </a:r>
           </a:p>
           <a:p>
             <a:pPr lvl="4"/>
             <a:r>
-              <a:rPr lang="de-DE" smtClean="0"/>
+              <a:rPr lang="de-DE"/>
               <a:t>Fünfte Ebene</a:t>
             </a:r>
-            <a:endParaRPr lang="de-DE"/>
           </a:p>
         </p:txBody>
       </p:sp>
@@ -2242,7 +2240,7 @@
           <a:p>
             <a:pPr lvl="0"/>
             <a:r>
-              <a:rPr lang="de-DE" smtClean="0"/>
+              <a:rPr lang="de-DE"/>
               <a:t>Textmasterformat bearbeiten</a:t>
             </a:r>
           </a:p>
@@ -2265,7 +2263,7 @@
           <a:p>
             <a:fld id="{C81CE2D8-DAEC-441B-8D97-AF2CE65CF298}" type="datetimeFigureOut">
               <a:rPr lang="de-DE" smtClean="0"/>
-              <a:t>20.04.2016</a:t>
+              <a:t>09.08.2016</a:t>
             </a:fld>
             <a:endParaRPr lang="de-DE"/>
           </a:p>
@@ -2368,10 +2366,9 @@
           </a:lstStyle>
           <a:p>
             <a:r>
-              <a:rPr lang="de-DE" smtClean="0"/>
+              <a:rPr lang="de-DE"/>
               <a:t>Titelmasterformat durch Klicken bearbeiten</a:t>
             </a:r>
-            <a:endParaRPr lang="de-DE"/>
           </a:p>
         </p:txBody>
       </p:sp>
@@ -2495,7 +2492,7 @@
           <a:p>
             <a:pPr lvl="0"/>
             <a:r>
-              <a:rPr lang="de-DE" smtClean="0"/>
+              <a:rPr lang="de-DE"/>
               <a:t>Textmasterformat bearbeiten</a:t>
             </a:r>
           </a:p>
@@ -2518,7 +2515,7 @@
           <a:p>
             <a:fld id="{C81CE2D8-DAEC-441B-8D97-AF2CE65CF298}" type="datetimeFigureOut">
               <a:rPr lang="de-DE" smtClean="0"/>
-              <a:t>20.04.2016</a:t>
+              <a:t>09.08.2016</a:t>
             </a:fld>
             <a:endParaRPr lang="de-DE"/>
           </a:p>
@@ -2627,10 +2624,9 @@
           <a:lstStyle/>
           <a:p>
             <a:r>
-              <a:rPr lang="de-DE" smtClean="0"/>
+              <a:rPr lang="de-DE"/>
               <a:t>Titelmasterformat durch Klicken bearbeiten</a:t>
             </a:r>
-            <a:endParaRPr lang="de-DE"/>
           </a:p>
         </p:txBody>
       </p:sp>
@@ -2661,38 +2657,37 @@
           <a:p>
             <a:pPr lvl="0"/>
             <a:r>
-              <a:rPr lang="de-DE" smtClean="0"/>
+              <a:rPr lang="de-DE"/>
               <a:t>Textmasterformat bearbeiten</a:t>
             </a:r>
           </a:p>
           <a:p>
             <a:pPr lvl="1"/>
             <a:r>
-              <a:rPr lang="de-DE" smtClean="0"/>
+              <a:rPr lang="de-DE"/>
               <a:t>Zweite Ebene</a:t>
             </a:r>
           </a:p>
           <a:p>
             <a:pPr lvl="2"/>
             <a:r>
-              <a:rPr lang="de-DE" smtClean="0"/>
+              <a:rPr lang="de-DE"/>
               <a:t>Dritte Ebene</a:t>
             </a:r>
           </a:p>
           <a:p>
             <a:pPr lvl="3"/>
             <a:r>
-              <a:rPr lang="de-DE" smtClean="0"/>
+              <a:rPr lang="de-DE"/>
               <a:t>Vierte Ebene</a:t>
             </a:r>
           </a:p>
           <a:p>
             <a:pPr lvl="4"/>
             <a:r>
-              <a:rPr lang="de-DE" smtClean="0"/>
+              <a:rPr lang="de-DE"/>
               <a:t>Fünfte Ebene</a:t>
             </a:r>
-            <a:endParaRPr lang="de-DE"/>
           </a:p>
         </p:txBody>
       </p:sp>
@@ -2731,7 +2726,7 @@
           <a:p>
             <a:fld id="{C81CE2D8-DAEC-441B-8D97-AF2CE65CF298}" type="datetimeFigureOut">
               <a:rPr lang="de-DE" smtClean="0"/>
-              <a:t>20.04.2016</a:t>
+              <a:t>09.08.2016</a:t>
             </a:fld>
             <a:endParaRPr lang="de-DE"/>
           </a:p>
@@ -3272,7 +3267,7 @@
           <a:lstStyle/>
           <a:p>
             <a:r>
-              <a:rPr lang="de-DE" dirty="0" err="1" smtClean="0">
+              <a:rPr lang="de-DE" dirty="0" err="1">
                 <a:latin typeface="Tahoma" panose="020B0604030504040204" pitchFamily="34" charset="0"/>
                 <a:ea typeface="Tahoma" panose="020B0604030504040204" pitchFamily="34" charset="0"/>
                 <a:cs typeface="Tahoma" panose="020B0604030504040204" pitchFamily="34" charset="0"/>
@@ -3280,7 +3275,7 @@
               <a:t>ṁ</a:t>
             </a:r>
             <a:r>
-              <a:rPr lang="de-DE" baseline="-25000" dirty="0" err="1" smtClean="0">
+              <a:rPr lang="de-DE" baseline="-25000" dirty="0" err="1">
                 <a:latin typeface="Tahoma" panose="020B0604030504040204" pitchFamily="34" charset="0"/>
                 <a:ea typeface="Tahoma" panose="020B0604030504040204" pitchFamily="34" charset="0"/>
                 <a:cs typeface="Tahoma" panose="020B0604030504040204" pitchFamily="34" charset="0"/>
@@ -3332,10 +3327,9 @@
           <a:p>
             <a:pPr algn="ctr"/>
             <a:r>
-              <a:rPr lang="de-DE" dirty="0" smtClean="0"/>
+              <a:rPr lang="de-DE" dirty="0"/>
               <a:t>Feed</a:t>
             </a:r>
-            <a:endParaRPr lang="de-DE" dirty="0"/>
           </a:p>
         </p:txBody>
       </p:sp>
@@ -3379,7 +3373,7 @@
           <a:p>
             <a:pPr algn="ctr"/>
             <a:r>
-              <a:rPr lang="de-DE" dirty="0" err="1" smtClean="0">
+              <a:rPr lang="de-DE" dirty="0" err="1">
                 <a:solidFill>
                   <a:schemeClr val="tx2"/>
                 </a:solidFill>
@@ -3387,7 +3381,7 @@
               <a:t>Permeate</a:t>
             </a:r>
             <a:r>
-              <a:rPr lang="de-DE" dirty="0" smtClean="0">
+              <a:rPr lang="de-DE" dirty="0">
                 <a:solidFill>
                   <a:schemeClr val="tx2"/>
                 </a:solidFill>
@@ -3395,7 +3389,7 @@
               <a:t>/ </a:t>
             </a:r>
             <a:r>
-              <a:rPr lang="de-DE" dirty="0" err="1" smtClean="0">
+              <a:rPr lang="de-DE" dirty="0" err="1">
                 <a:solidFill>
                   <a:schemeClr val="tx2"/>
                 </a:solidFill>
@@ -3498,10 +3492,9 @@
           <a:lstStyle/>
           <a:p>
             <a:r>
-              <a:rPr lang="de-DE" dirty="0" smtClean="0"/>
+              <a:rPr lang="de-DE" dirty="0"/>
               <a:t>Index</a:t>
             </a:r>
-            <a:endParaRPr lang="de-DE" dirty="0"/>
           </a:p>
         </p:txBody>
       </p:sp>
@@ -3528,10 +3521,9 @@
           <a:lstStyle/>
           <a:p>
             <a:r>
-              <a:rPr lang="de-DE" dirty="0" smtClean="0"/>
+              <a:rPr lang="de-DE" dirty="0"/>
               <a:t>f</a:t>
             </a:r>
-            <a:endParaRPr lang="de-DE" dirty="0"/>
           </a:p>
         </p:txBody>
       </p:sp>
@@ -3558,10 +3550,9 @@
           <a:lstStyle/>
           <a:p>
             <a:r>
-              <a:rPr lang="de-DE" dirty="0" smtClean="0"/>
+              <a:rPr lang="de-DE" dirty="0"/>
               <a:t>mf</a:t>
             </a:r>
-            <a:endParaRPr lang="de-DE" dirty="0"/>
           </a:p>
         </p:txBody>
       </p:sp>
@@ -3588,10 +3579,9 @@
           <a:lstStyle/>
           <a:p>
             <a:r>
-              <a:rPr lang="de-DE" dirty="0" smtClean="0"/>
+              <a:rPr lang="de-DE" dirty="0"/>
               <a:t>mp</a:t>
             </a:r>
-            <a:endParaRPr lang="de-DE" dirty="0"/>
           </a:p>
         </p:txBody>
       </p:sp>
@@ -3618,10 +3608,9 @@
           <a:lstStyle/>
           <a:p>
             <a:r>
-              <a:rPr lang="de-DE" dirty="0" smtClean="0"/>
+              <a:rPr lang="de-DE" dirty="0"/>
               <a:t>p</a:t>
             </a:r>
-            <a:endParaRPr lang="de-DE" dirty="0"/>
           </a:p>
         </p:txBody>
       </p:sp>
@@ -3648,10 +3637,9 @@
           <a:lstStyle/>
           <a:p>
             <a:r>
-              <a:rPr lang="de-DE" dirty="0" smtClean="0"/>
+              <a:rPr lang="de-DE" dirty="0"/>
               <a:t>m</a:t>
             </a:r>
-            <a:endParaRPr lang="de-DE" dirty="0"/>
           </a:p>
         </p:txBody>
       </p:sp>
@@ -3665,13 +3653,6 @@
   <p:clrMapOvr>
     <a:masterClrMapping/>
   </p:clrMapOvr>
-  <p:timing>
-    <p:tnLst>
-      <p:par>
-        <p:cTn id="1" dur="indefinite" restart="never" nodeType="tmRoot"/>
-      </p:par>
-    </p:tnLst>
-  </p:timing>
 </p:sld>
 </file>
 
@@ -3775,10 +3756,9 @@
           <a:p>
             <a:pPr algn="ctr"/>
             <a:r>
-              <a:rPr lang="de-DE" dirty="0" smtClean="0"/>
+              <a:rPr lang="de-DE" dirty="0"/>
               <a:t>mgx1</a:t>
             </a:r>
-            <a:endParaRPr lang="de-DE" dirty="0"/>
           </a:p>
         </p:txBody>
       </p:sp>
@@ -3819,10 +3799,9 @@
           <a:p>
             <a:pPr algn="ctr"/>
             <a:r>
-              <a:rPr lang="de-DE" dirty="0" smtClean="0"/>
+              <a:rPr lang="de-DE" dirty="0"/>
               <a:t>mgx2</a:t>
             </a:r>
-            <a:endParaRPr lang="de-DE" dirty="0"/>
           </a:p>
         </p:txBody>
       </p:sp>
@@ -3863,10 +3842,9 @@
           <a:p>
             <a:pPr algn="ctr"/>
             <a:r>
-              <a:rPr lang="de-DE" dirty="0" smtClean="0"/>
+              <a:rPr lang="de-DE" dirty="0"/>
               <a:t>mwx1</a:t>
             </a:r>
-            <a:endParaRPr lang="de-DE" dirty="0"/>
           </a:p>
         </p:txBody>
       </p:sp>
@@ -3907,10 +3885,9 @@
           <a:p>
             <a:pPr algn="ctr"/>
             <a:r>
-              <a:rPr lang="de-DE" dirty="0" smtClean="0"/>
+              <a:rPr lang="de-DE" dirty="0"/>
               <a:t>mwx2</a:t>
             </a:r>
-            <a:endParaRPr lang="de-DE" dirty="0"/>
           </a:p>
         </p:txBody>
       </p:sp>
@@ -3951,10 +3928,9 @@
           <a:p>
             <a:pPr algn="ctr"/>
             <a:r>
-              <a:rPr lang="de-DE" dirty="0" smtClean="0"/>
+              <a:rPr lang="de-DE" dirty="0"/>
               <a:t>mwy1</a:t>
             </a:r>
-            <a:endParaRPr lang="de-DE" dirty="0"/>
           </a:p>
         </p:txBody>
       </p:sp>
@@ -3995,10 +3971,9 @@
           <a:p>
             <a:pPr algn="ctr"/>
             <a:r>
-              <a:rPr lang="de-DE" dirty="0" smtClean="0"/>
+              <a:rPr lang="de-DE" dirty="0"/>
               <a:t>mgy1</a:t>
             </a:r>
-            <a:endParaRPr lang="de-DE" dirty="0"/>
           </a:p>
         </p:txBody>
       </p:sp>
@@ -4039,10 +4014,9 @@
           <a:p>
             <a:pPr algn="ctr"/>
             <a:r>
-              <a:rPr lang="de-DE" dirty="0" smtClean="0"/>
+              <a:rPr lang="de-DE" dirty="0"/>
               <a:t>mgy1</a:t>
             </a:r>
-            <a:endParaRPr lang="de-DE" dirty="0"/>
           </a:p>
         </p:txBody>
       </p:sp>
@@ -4083,10 +4057,9 @@
           <a:p>
             <a:pPr algn="ctr"/>
             <a:r>
-              <a:rPr lang="de-DE" dirty="0" smtClean="0"/>
+              <a:rPr lang="de-DE" dirty="0"/>
               <a:t>mwy2</a:t>
             </a:r>
-            <a:endParaRPr lang="de-DE" dirty="0"/>
           </a:p>
         </p:txBody>
       </p:sp>
@@ -4203,10 +4176,9 @@
           <a:p>
             <a:pPr algn="ctr"/>
             <a:r>
-              <a:rPr lang="de-DE" dirty="0" smtClean="0"/>
+              <a:rPr lang="de-DE" dirty="0"/>
               <a:t>mgx1</a:t>
             </a:r>
-            <a:endParaRPr lang="de-DE" dirty="0"/>
           </a:p>
         </p:txBody>
       </p:sp>
@@ -4247,10 +4219,9 @@
           <a:p>
             <a:pPr algn="ctr"/>
             <a:r>
-              <a:rPr lang="de-DE" dirty="0" smtClean="0"/>
+              <a:rPr lang="de-DE" dirty="0"/>
               <a:t>mgx2</a:t>
             </a:r>
-            <a:endParaRPr lang="de-DE" dirty="0"/>
           </a:p>
         </p:txBody>
       </p:sp>
@@ -4291,10 +4262,9 @@
           <a:p>
             <a:pPr algn="ctr"/>
             <a:r>
-              <a:rPr lang="de-DE" dirty="0" smtClean="0"/>
+              <a:rPr lang="de-DE" dirty="0"/>
               <a:t>mwx1</a:t>
             </a:r>
-            <a:endParaRPr lang="de-DE" dirty="0"/>
           </a:p>
         </p:txBody>
       </p:sp>
@@ -4335,10 +4305,9 @@
           <a:p>
             <a:pPr algn="ctr"/>
             <a:r>
-              <a:rPr lang="de-DE" dirty="0" smtClean="0"/>
+              <a:rPr lang="de-DE" dirty="0"/>
               <a:t>mwx2</a:t>
             </a:r>
-            <a:endParaRPr lang="de-DE" dirty="0"/>
           </a:p>
         </p:txBody>
       </p:sp>
@@ -4379,10 +4348,9 @@
           <a:p>
             <a:pPr algn="ctr"/>
             <a:r>
-              <a:rPr lang="de-DE" dirty="0" smtClean="0"/>
+              <a:rPr lang="de-DE" dirty="0"/>
               <a:t>mwy1</a:t>
             </a:r>
-            <a:endParaRPr lang="de-DE" dirty="0"/>
           </a:p>
         </p:txBody>
       </p:sp>
@@ -4423,10 +4391,9 @@
           <a:p>
             <a:pPr algn="ctr"/>
             <a:r>
-              <a:rPr lang="de-DE" dirty="0" smtClean="0"/>
+              <a:rPr lang="de-DE" dirty="0"/>
               <a:t>mgy1</a:t>
             </a:r>
-            <a:endParaRPr lang="de-DE" dirty="0"/>
           </a:p>
         </p:txBody>
       </p:sp>
@@ -4467,10 +4434,9 @@
           <a:p>
             <a:pPr algn="ctr"/>
             <a:r>
-              <a:rPr lang="de-DE" dirty="0" smtClean="0"/>
+              <a:rPr lang="de-DE" dirty="0"/>
               <a:t>mgy1</a:t>
             </a:r>
-            <a:endParaRPr lang="de-DE" dirty="0"/>
           </a:p>
         </p:txBody>
       </p:sp>
@@ -4511,10 +4477,9 @@
           <a:p>
             <a:pPr algn="ctr"/>
             <a:r>
-              <a:rPr lang="de-DE" dirty="0" smtClean="0"/>
+              <a:rPr lang="de-DE" dirty="0"/>
               <a:t>mwy2</a:t>
             </a:r>
-            <a:endParaRPr lang="de-DE" dirty="0"/>
           </a:p>
         </p:txBody>
       </p:sp>
@@ -4631,10 +4596,9 @@
           <a:p>
             <a:pPr algn="ctr"/>
             <a:r>
-              <a:rPr lang="de-DE" dirty="0" smtClean="0"/>
+              <a:rPr lang="de-DE" dirty="0"/>
               <a:t>mgx1</a:t>
             </a:r>
-            <a:endParaRPr lang="de-DE" dirty="0"/>
           </a:p>
         </p:txBody>
       </p:sp>
@@ -4675,10 +4639,9 @@
           <a:p>
             <a:pPr algn="ctr"/>
             <a:r>
-              <a:rPr lang="de-DE" dirty="0" smtClean="0"/>
+              <a:rPr lang="de-DE" dirty="0"/>
               <a:t>mgx2</a:t>
             </a:r>
-            <a:endParaRPr lang="de-DE" dirty="0"/>
           </a:p>
         </p:txBody>
       </p:sp>
@@ -4719,10 +4682,9 @@
           <a:p>
             <a:pPr algn="ctr"/>
             <a:r>
-              <a:rPr lang="de-DE" dirty="0" smtClean="0"/>
+              <a:rPr lang="de-DE" dirty="0"/>
               <a:t>mwx1</a:t>
             </a:r>
-            <a:endParaRPr lang="de-DE" dirty="0"/>
           </a:p>
         </p:txBody>
       </p:sp>
@@ -4763,10 +4725,9 @@
           <a:p>
             <a:pPr algn="ctr"/>
             <a:r>
-              <a:rPr lang="de-DE" dirty="0" smtClean="0"/>
+              <a:rPr lang="de-DE" dirty="0"/>
               <a:t>mwx2</a:t>
             </a:r>
-            <a:endParaRPr lang="de-DE" dirty="0"/>
           </a:p>
         </p:txBody>
       </p:sp>
@@ -4807,10 +4768,9 @@
           <a:p>
             <a:pPr algn="ctr"/>
             <a:r>
-              <a:rPr lang="de-DE" dirty="0" smtClean="0"/>
+              <a:rPr lang="de-DE" dirty="0"/>
               <a:t>mwy1</a:t>
             </a:r>
-            <a:endParaRPr lang="de-DE" dirty="0"/>
           </a:p>
         </p:txBody>
       </p:sp>
@@ -4851,10 +4811,9 @@
           <a:p>
             <a:pPr algn="ctr"/>
             <a:r>
-              <a:rPr lang="de-DE" dirty="0" smtClean="0"/>
+              <a:rPr lang="de-DE" dirty="0"/>
               <a:t>mgy1</a:t>
             </a:r>
-            <a:endParaRPr lang="de-DE" dirty="0"/>
           </a:p>
         </p:txBody>
       </p:sp>
@@ -4895,10 +4854,9 @@
           <a:p>
             <a:pPr algn="ctr"/>
             <a:r>
-              <a:rPr lang="de-DE" dirty="0" smtClean="0"/>
+              <a:rPr lang="de-DE" dirty="0"/>
               <a:t>mgy1</a:t>
             </a:r>
-            <a:endParaRPr lang="de-DE" dirty="0"/>
           </a:p>
         </p:txBody>
       </p:sp>
@@ -4939,10 +4897,9 @@
           <a:p>
             <a:pPr algn="ctr"/>
             <a:r>
-              <a:rPr lang="de-DE" dirty="0" smtClean="0"/>
+              <a:rPr lang="de-DE" dirty="0"/>
               <a:t>mwy2</a:t>
             </a:r>
-            <a:endParaRPr lang="de-DE" dirty="0"/>
           </a:p>
         </p:txBody>
       </p:sp>
@@ -5142,7 +5099,7 @@
           <a:lstStyle/>
           <a:p>
             <a:r>
-              <a:rPr lang="de-DE" dirty="0" err="1" smtClean="0">
+              <a:rPr lang="de-DE" dirty="0" err="1">
                 <a:latin typeface="Tahoma" panose="020B0604030504040204" pitchFamily="34" charset="0"/>
                 <a:ea typeface="Tahoma" panose="020B0604030504040204" pitchFamily="34" charset="0"/>
                 <a:cs typeface="Tahoma" panose="020B0604030504040204" pitchFamily="34" charset="0"/>
@@ -5150,7 +5107,7 @@
               <a:t>ṁ</a:t>
             </a:r>
             <a:r>
-              <a:rPr lang="de-DE" baseline="-25000" dirty="0" err="1" smtClean="0">
+              <a:rPr lang="de-DE" baseline="-25000" dirty="0" err="1">
                 <a:latin typeface="Tahoma" panose="020B0604030504040204" pitchFamily="34" charset="0"/>
                 <a:ea typeface="Tahoma" panose="020B0604030504040204" pitchFamily="34" charset="0"/>
                 <a:cs typeface="Tahoma" panose="020B0604030504040204" pitchFamily="34" charset="0"/>
@@ -5202,10 +5159,9 @@
           <a:p>
             <a:pPr algn="ctr"/>
             <a:r>
-              <a:rPr lang="de-DE" dirty="0" smtClean="0"/>
+              <a:rPr lang="de-DE" dirty="0"/>
               <a:t>Feed</a:t>
             </a:r>
-            <a:endParaRPr lang="de-DE" dirty="0"/>
           </a:p>
         </p:txBody>
       </p:sp>
@@ -5254,15 +5210,7 @@
                   <a:schemeClr val="tx2"/>
                 </a:solidFill>
               </a:rPr>
-              <a:t>P</a:t>
-            </a:r>
-            <a:r>
-              <a:rPr lang="de-DE" dirty="0" err="1" smtClean="0">
-                <a:solidFill>
-                  <a:schemeClr val="tx2"/>
-                </a:solidFill>
-              </a:rPr>
-              <a:t>ermeate</a:t>
+              <a:t>Permeate</a:t>
             </a:r>
             <a:endParaRPr lang="de-DE" dirty="0">
               <a:solidFill>
@@ -5374,10 +5322,9 @@
           <a:p>
             <a:pPr algn="ctr"/>
             <a:r>
-              <a:rPr lang="de-DE" dirty="0" smtClean="0"/>
-              <a:t>Au</a:t>
-            </a:r>
-            <a:endParaRPr lang="de-DE" dirty="0"/>
+              <a:rPr lang="de-DE" dirty="0"/>
+              <a:t>AUL</a:t>
+            </a:r>
           </a:p>
         </p:txBody>
       </p:sp>
@@ -5418,10 +5365,9 @@
           <a:p>
             <a:pPr algn="ctr"/>
             <a:r>
-              <a:rPr lang="de-DE" dirty="0" err="1" smtClean="0"/>
-              <a:t>Zl</a:t>
-            </a:r>
-            <a:endParaRPr lang="de-DE" dirty="0"/>
+              <a:rPr lang="de-DE" dirty="0"/>
+              <a:t>ZUL</a:t>
+            </a:r>
           </a:p>
         </p:txBody>
       </p:sp>
@@ -5462,10 +5408,9 @@
           <a:p>
             <a:pPr algn="ctr"/>
             <a:r>
-              <a:rPr lang="de-DE" dirty="0" err="1" smtClean="0"/>
-              <a:t>Fl</a:t>
-            </a:r>
-            <a:endParaRPr lang="de-DE" dirty="0"/>
+              <a:rPr lang="de-DE" dirty="0"/>
+              <a:t>FOL</a:t>
+            </a:r>
           </a:p>
         </p:txBody>
       </p:sp>
@@ -5506,10 +5451,9 @@
           <a:p>
             <a:pPr algn="ctr"/>
             <a:r>
-              <a:rPr lang="de-DE" dirty="0" smtClean="0"/>
+              <a:rPr lang="de-DE" dirty="0"/>
               <a:t>Ab</a:t>
             </a:r>
-            <a:endParaRPr lang="de-DE" dirty="0"/>
           </a:p>
         </p:txBody>
       </p:sp>
@@ -5566,10 +5510,9 @@
           <a:lstStyle/>
           <a:p>
             <a:r>
-              <a:rPr lang="de-DE" dirty="0" smtClean="0"/>
+              <a:rPr lang="de-DE" dirty="0"/>
               <a:t>Transportprozesse in einer asymmetrischen Membran</a:t>
             </a:r>
-            <a:endParaRPr lang="de-DE" dirty="0"/>
           </a:p>
         </p:txBody>
       </p:sp>
@@ -5596,52 +5539,48 @@
           <a:lstStyle/>
           <a:p>
             <a:r>
-              <a:rPr lang="de-DE" dirty="0" smtClean="0"/>
+              <a:rPr lang="de-DE" dirty="0"/>
               <a:t>1./6. Aufgrund von Diffusionsprozessen und ggf. Turbulenter Durchmischung wird Wasser zur Membran Transportier</a:t>
             </a:r>
           </a:p>
           <a:p>
-            <a:endParaRPr lang="de-DE" dirty="0" smtClean="0"/>
-          </a:p>
-          <a:p>
-            <a:endParaRPr lang="de-DE" dirty="0" smtClean="0"/>
-          </a:p>
-          <a:p>
-            <a:r>
-              <a:rPr lang="de-DE" dirty="0" smtClean="0"/>
+            <a:endParaRPr lang="de-DE" dirty="0"/>
+          </a:p>
+          <a:p>
+            <a:endParaRPr lang="de-DE" dirty="0"/>
+          </a:p>
+          <a:p>
+            <a:r>
+              <a:rPr lang="de-DE" dirty="0"/>
               <a:t>2./5. Sorption an der hydrophilen Membranoberfläche</a:t>
             </a:r>
           </a:p>
           <a:p>
             <a:r>
-              <a:rPr lang="de-DE" dirty="0" smtClean="0"/>
+              <a:rPr lang="de-DE" dirty="0"/>
               <a:t>3. Diffusion durch dichte Membran, Triebkraft chemische Potentialdifferenz,</a:t>
             </a:r>
           </a:p>
           <a:p>
             <a:r>
-              <a:rPr lang="de-DE" dirty="0" smtClean="0"/>
+              <a:rPr lang="de-DE" dirty="0"/>
               <a:t> </a:t>
             </a:r>
           </a:p>
           <a:p>
             <a:r>
-              <a:rPr lang="de-DE" dirty="0" smtClean="0"/>
+              <a:rPr lang="de-DE" dirty="0"/>
               <a:t>4. Diffusion durch poröse Membran, Triebkraft chemische Potentialdifferenz,</a:t>
             </a:r>
           </a:p>
           <a:p>
             <a:r>
               <a:rPr lang="de-DE" dirty="0"/>
-              <a:t>	</a:t>
-            </a:r>
-            <a:r>
-              <a:rPr lang="de-DE" dirty="0" smtClean="0"/>
-              <a:t>bei größeren Poren evtl. durch Konvektion</a:t>
-            </a:r>
-          </a:p>
-          <a:p>
-            <a:endParaRPr lang="de-DE" dirty="0" smtClean="0"/>
+              <a:t>	bei größeren Poren evtl. durch Konvektion</a:t>
+            </a:r>
+          </a:p>
+          <a:p>
+            <a:endParaRPr lang="de-DE" dirty="0"/>
           </a:p>
           <a:p>
             <a:endParaRPr lang="de-DE" dirty="0"/>
@@ -9894,10 +9833,9 @@
               <a:lstStyle/>
               <a:p>
                 <a:r>
-                  <a:rPr lang="de-DE" dirty="0" smtClean="0"/>
+                  <a:rPr lang="de-DE" dirty="0"/>
                   <a:t>1. Diffusion durch Gas in z-Richtung</a:t>
                 </a:r>
-                <a:endParaRPr lang="de-DE" dirty="0"/>
               </a:p>
             </p:txBody>
           </p:sp>
@@ -9924,10 +9862,9 @@
               <a:lstStyle/>
               <a:p>
                 <a:r>
-                  <a:rPr lang="de-DE" dirty="0" smtClean="0"/>
+                  <a:rPr lang="de-DE" dirty="0"/>
                   <a:t>2. Sorption an der Membranoberfläche</a:t>
                 </a:r>
-                <a:endParaRPr lang="de-DE" dirty="0"/>
               </a:p>
             </p:txBody>
           </p:sp>
@@ -9987,10 +9924,9 @@
               <a:lstStyle/>
               <a:p>
                 <a:r>
-                  <a:rPr lang="de-DE" dirty="0" smtClean="0"/>
+                  <a:rPr lang="de-DE" dirty="0"/>
                   <a:t>3. Diffusion durch dichte Membran</a:t>
                 </a:r>
-                <a:endParaRPr lang="de-DE" dirty="0"/>
               </a:p>
             </p:txBody>
           </p:sp>
@@ -10018,13 +9954,8 @@
               <a:p>
                 <a:r>
                   <a:rPr lang="de-DE" dirty="0"/>
-                  <a:t>4</a:t>
+                  <a:t>4. Sorption an der Membranoberfläche</a:t>
                 </a:r>
-                <a:r>
-                  <a:rPr lang="de-DE" dirty="0" smtClean="0"/>
-                  <a:t>. Sorption an der Membranoberfläche</a:t>
-                </a:r>
-                <a:endParaRPr lang="de-DE" dirty="0"/>
               </a:p>
             </p:txBody>
           </p:sp>
@@ -10052,13 +9983,8 @@
               <a:p>
                 <a:r>
                   <a:rPr lang="de-DE" dirty="0"/>
-                  <a:t>5</a:t>
+                  <a:t>5. Diffusion und Konvektion durch poröse Membran</a:t>
                 </a:r>
-                <a:r>
-                  <a:rPr lang="de-DE" dirty="0" smtClean="0"/>
-                  <a:t>. Diffusion und Konvektion durch poröse Membran</a:t>
-                </a:r>
-                <a:endParaRPr lang="de-DE" dirty="0"/>
               </a:p>
             </p:txBody>
           </p:sp>
@@ -10086,13 +10012,8 @@
               <a:p>
                 <a:r>
                   <a:rPr lang="de-DE" dirty="0"/>
-                  <a:t>6</a:t>
+                  <a:t>6. Diffusion durch Gas in z-Richtung</a:t>
                 </a:r>
-                <a:r>
-                  <a:rPr lang="de-DE" dirty="0" smtClean="0"/>
-                  <a:t>. Diffusion durch Gas in z-Richtung</a:t>
-                </a:r>
-                <a:endParaRPr lang="de-DE" dirty="0"/>
               </a:p>
             </p:txBody>
           </p:sp>
@@ -10240,13 +10161,6 @@
   <p:clrMapOvr>
     <a:masterClrMapping/>
   </p:clrMapOvr>
-  <p:timing>
-    <p:tnLst>
-      <p:par>
-        <p:cTn id="1" dur="indefinite" restart="never" nodeType="tmRoot"/>
-      </p:par>
-    </p:tnLst>
-  </p:timing>
 </p:sld>
 </file>
 
@@ -10269,336 +10183,906 @@
       </p:grpSpPr>
       <p:grpSp>
         <p:nvGrpSpPr>
-          <p:cNvPr id="19" name="Gruppieren 18"/>
+          <p:cNvPr id="52" name="Gruppieren 51"/>
           <p:cNvGrpSpPr/>
           <p:nvPr/>
         </p:nvGrpSpPr>
         <p:grpSpPr>
           <a:xfrm>
-            <a:off x="0" y="-315416"/>
-            <a:ext cx="8487038" cy="4538731"/>
-            <a:chOff x="0" y="1050509"/>
-            <a:chExt cx="8487038" cy="4538731"/>
+            <a:off x="467544" y="332656"/>
+            <a:ext cx="6494397" cy="4538648"/>
+            <a:chOff x="467544" y="332656"/>
+            <a:chExt cx="6494397" cy="4538648"/>
           </a:xfrm>
         </p:grpSpPr>
-        <p:sp>
-          <p:nvSpPr>
-            <p:cNvPr id="4" name="Rechteck 3"/>
-            <p:cNvSpPr/>
+        <p:grpSp>
+          <p:nvGrpSpPr>
+            <p:cNvPr id="24" name="Gruppieren 23"/>
+            <p:cNvGrpSpPr/>
             <p:nvPr/>
-          </p:nvSpPr>
+          </p:nvGrpSpPr>
+          <p:grpSpPr>
+            <a:xfrm>
+              <a:off x="467544" y="332656"/>
+              <a:ext cx="6494397" cy="4538648"/>
+              <a:chOff x="467544" y="332656"/>
+              <a:chExt cx="6494397" cy="4538648"/>
+            </a:xfrm>
+          </p:grpSpPr>
+          <p:sp>
+            <p:nvSpPr>
+              <p:cNvPr id="4" name="Rechteck 3"/>
+              <p:cNvSpPr/>
+              <p:nvPr/>
+            </p:nvSpPr>
+            <p:spPr>
+              <a:xfrm>
+                <a:off x="3527376" y="1631027"/>
+                <a:ext cx="527320" cy="1728192"/>
+              </a:xfrm>
+              <a:prstGeom prst="rect">
+                <a:avLst/>
+              </a:prstGeom>
+              <a:solidFill>
+                <a:schemeClr val="bg1"/>
+              </a:solidFill>
+              <a:ln>
+                <a:solidFill>
+                  <a:schemeClr val="accent1"/>
+                </a:solidFill>
+              </a:ln>
+            </p:spPr>
+            <p:style>
+              <a:lnRef idx="2">
+                <a:schemeClr val="accent1">
+                  <a:shade val="50000"/>
+                </a:schemeClr>
+              </a:lnRef>
+              <a:fillRef idx="1">
+                <a:schemeClr val="accent1"/>
+              </a:fillRef>
+              <a:effectRef idx="0">
+                <a:schemeClr val="accent1"/>
+              </a:effectRef>
+              <a:fontRef idx="minor">
+                <a:schemeClr val="lt1"/>
+              </a:fontRef>
+            </p:style>
+            <p:txBody>
+              <a:bodyPr rtlCol="0" anchor="ctr"/>
+              <a:lstStyle/>
+              <a:p>
+                <a:pPr algn="ctr"/>
+                <a:endParaRPr lang="de-DE"/>
+              </a:p>
+            </p:txBody>
+          </p:sp>
+          <p:sp>
+            <p:nvSpPr>
+              <p:cNvPr id="6" name="Trapezoid 5"/>
+              <p:cNvSpPr/>
+              <p:nvPr/>
+            </p:nvSpPr>
+            <p:spPr>
+              <a:xfrm rot="16200000">
+                <a:off x="2375248" y="2207091"/>
+                <a:ext cx="1728192" cy="576064"/>
+              </a:xfrm>
+              <a:prstGeom prst="trapezoid">
+                <a:avLst>
+                  <a:gd name="adj" fmla="val 103596"/>
+                </a:avLst>
+              </a:prstGeom>
+              <a:solidFill>
+                <a:schemeClr val="bg1"/>
+              </a:solidFill>
+              <a:ln>
+                <a:solidFill>
+                  <a:schemeClr val="accent1"/>
+                </a:solidFill>
+              </a:ln>
+            </p:spPr>
+            <p:style>
+              <a:lnRef idx="2">
+                <a:schemeClr val="accent1">
+                  <a:shade val="50000"/>
+                </a:schemeClr>
+              </a:lnRef>
+              <a:fillRef idx="1">
+                <a:schemeClr val="accent1"/>
+              </a:fillRef>
+              <a:effectRef idx="0">
+                <a:schemeClr val="accent1"/>
+              </a:effectRef>
+              <a:fontRef idx="minor">
+                <a:schemeClr val="lt1"/>
+              </a:fontRef>
+            </p:style>
+            <p:txBody>
+              <a:bodyPr rtlCol="0" anchor="ctr"/>
+              <a:lstStyle/>
+              <a:p>
+                <a:pPr algn="ctr"/>
+                <a:endParaRPr lang="de-DE"/>
+              </a:p>
+            </p:txBody>
+          </p:sp>
+          <p:sp>
+            <p:nvSpPr>
+              <p:cNvPr id="8" name="Pfeil nach links 7"/>
+              <p:cNvSpPr/>
+              <p:nvPr/>
+            </p:nvSpPr>
+            <p:spPr>
+              <a:xfrm rot="18999399">
+                <a:off x="2363456" y="3122572"/>
+                <a:ext cx="1008112" cy="576064"/>
+              </a:xfrm>
+              <a:prstGeom prst="leftArrow">
+                <a:avLst/>
+              </a:prstGeom>
+            </p:spPr>
+            <p:style>
+              <a:lnRef idx="2">
+                <a:schemeClr val="accent1">
+                  <a:shade val="50000"/>
+                </a:schemeClr>
+              </a:lnRef>
+              <a:fillRef idx="1">
+                <a:schemeClr val="accent1"/>
+              </a:fillRef>
+              <a:effectRef idx="0">
+                <a:schemeClr val="accent1"/>
+              </a:effectRef>
+              <a:fontRef idx="minor">
+                <a:schemeClr val="lt1"/>
+              </a:fontRef>
+            </p:style>
+            <p:txBody>
+              <a:bodyPr rtlCol="0" anchor="ctr"/>
+              <a:lstStyle/>
+              <a:p>
+                <a:pPr algn="ctr"/>
+                <a:endParaRPr lang="de-DE"/>
+              </a:p>
+            </p:txBody>
+          </p:sp>
+          <p:sp>
+            <p:nvSpPr>
+              <p:cNvPr id="9" name="Pfeil nach links 8"/>
+              <p:cNvSpPr/>
+              <p:nvPr/>
+            </p:nvSpPr>
+            <p:spPr>
+              <a:xfrm rot="13564200">
+                <a:off x="2394833" y="1257769"/>
+                <a:ext cx="1008112" cy="576064"/>
+              </a:xfrm>
+              <a:prstGeom prst="leftArrow">
+                <a:avLst/>
+              </a:prstGeom>
+            </p:spPr>
+            <p:style>
+              <a:lnRef idx="2">
+                <a:schemeClr val="accent1">
+                  <a:shade val="50000"/>
+                </a:schemeClr>
+              </a:lnRef>
+              <a:fillRef idx="1">
+                <a:schemeClr val="accent1"/>
+              </a:fillRef>
+              <a:effectRef idx="0">
+                <a:schemeClr val="accent1"/>
+              </a:effectRef>
+              <a:fontRef idx="minor">
+                <a:schemeClr val="lt1"/>
+              </a:fontRef>
+            </p:style>
+            <p:txBody>
+              <a:bodyPr rtlCol="0" anchor="ctr"/>
+              <a:lstStyle/>
+              <a:p>
+                <a:pPr algn="ctr"/>
+                <a:endParaRPr lang="de-DE"/>
+              </a:p>
+            </p:txBody>
+          </p:sp>
+          <p:sp>
+            <p:nvSpPr>
+              <p:cNvPr id="14" name="Textfeld 13"/>
+              <p:cNvSpPr txBox="1"/>
+              <p:nvPr/>
+            </p:nvSpPr>
+            <p:spPr>
+              <a:xfrm>
+                <a:off x="1022512" y="793734"/>
+                <a:ext cx="1944216" cy="369332"/>
+              </a:xfrm>
+              <a:prstGeom prst="rect">
+                <a:avLst/>
+              </a:prstGeom>
+              <a:noFill/>
+            </p:spPr>
+            <p:txBody>
+              <a:bodyPr wrap="square" rtlCol="0">
+                <a:spAutoFit/>
+              </a:bodyPr>
+              <a:lstStyle/>
+              <a:p>
+                <a:r>
+                  <a:rPr lang="de-DE" dirty="0"/>
+                  <a:t>Außenluft (AUL)</a:t>
+                </a:r>
+              </a:p>
+            </p:txBody>
+          </p:sp>
+          <p:sp>
+            <p:nvSpPr>
+              <p:cNvPr id="15" name="Textfeld 14"/>
+              <p:cNvSpPr txBox="1"/>
+              <p:nvPr/>
+            </p:nvSpPr>
+            <p:spPr>
+              <a:xfrm>
+                <a:off x="1273042" y="3766350"/>
+                <a:ext cx="1944216" cy="369332"/>
+              </a:xfrm>
+              <a:prstGeom prst="rect">
+                <a:avLst/>
+              </a:prstGeom>
+              <a:noFill/>
+            </p:spPr>
+            <p:txBody>
+              <a:bodyPr wrap="square" rtlCol="0">
+                <a:spAutoFit/>
+              </a:bodyPr>
+              <a:lstStyle/>
+              <a:p>
+                <a:r>
+                  <a:rPr lang="de-DE" dirty="0"/>
+                  <a:t>Fortluft (FOL)</a:t>
+                </a:r>
+              </a:p>
+            </p:txBody>
+          </p:sp>
+          <p:grpSp>
+            <p:nvGrpSpPr>
+              <p:cNvPr id="23" name="Gruppieren 22"/>
+              <p:cNvGrpSpPr/>
+              <p:nvPr/>
+            </p:nvGrpSpPr>
+            <p:grpSpPr>
+              <a:xfrm>
+                <a:off x="4055015" y="334800"/>
+                <a:ext cx="2906926" cy="4536504"/>
+                <a:chOff x="6047656" y="334883"/>
+                <a:chExt cx="2906926" cy="4536504"/>
+              </a:xfrm>
+            </p:grpSpPr>
+            <p:sp>
+              <p:nvSpPr>
+                <p:cNvPr id="5" name="Trapezoid 4"/>
+                <p:cNvSpPr/>
+                <p:nvPr/>
+              </p:nvSpPr>
+              <p:spPr>
+                <a:xfrm rot="5400000">
+                  <a:off x="5471592" y="2207091"/>
+                  <a:ext cx="1728192" cy="576064"/>
+                </a:xfrm>
+                <a:prstGeom prst="trapezoid">
+                  <a:avLst>
+                    <a:gd name="adj" fmla="val 103596"/>
+                  </a:avLst>
+                </a:prstGeom>
+                <a:solidFill>
+                  <a:schemeClr val="bg1"/>
+                </a:solidFill>
+                <a:ln>
+                  <a:solidFill>
+                    <a:schemeClr val="accent1"/>
+                  </a:solidFill>
+                </a:ln>
+              </p:spPr>
+              <p:style>
+                <a:lnRef idx="2">
+                  <a:schemeClr val="accent1">
+                    <a:shade val="50000"/>
+                  </a:schemeClr>
+                </a:lnRef>
+                <a:fillRef idx="1">
+                  <a:schemeClr val="accent1"/>
+                </a:fillRef>
+                <a:effectRef idx="0">
+                  <a:schemeClr val="accent1"/>
+                </a:effectRef>
+                <a:fontRef idx="minor">
+                  <a:schemeClr val="lt1"/>
+                </a:fontRef>
+              </p:style>
+              <p:txBody>
+                <a:bodyPr rtlCol="0" anchor="ctr"/>
+                <a:lstStyle/>
+                <a:p>
+                  <a:pPr algn="ctr"/>
+                  <a:endParaRPr lang="de-DE"/>
+                </a:p>
+              </p:txBody>
+            </p:sp>
+            <p:sp>
+              <p:nvSpPr>
+                <p:cNvPr id="7" name="Pfeil nach links 6"/>
+                <p:cNvSpPr/>
+                <p:nvPr/>
+              </p:nvSpPr>
+              <p:spPr>
+                <a:xfrm rot="18999399">
+                  <a:off x="6274491" y="1342994"/>
+                  <a:ext cx="1008112" cy="576064"/>
+                </a:xfrm>
+                <a:prstGeom prst="leftArrow">
+                  <a:avLst/>
+                </a:prstGeom>
+                <a:solidFill>
+                  <a:schemeClr val="accent6">
+                    <a:lumMod val="75000"/>
+                  </a:schemeClr>
+                </a:solidFill>
+              </p:spPr>
+              <p:style>
+                <a:lnRef idx="2">
+                  <a:schemeClr val="accent1">
+                    <a:shade val="50000"/>
+                  </a:schemeClr>
+                </a:lnRef>
+                <a:fillRef idx="1">
+                  <a:schemeClr val="accent1"/>
+                </a:fillRef>
+                <a:effectRef idx="0">
+                  <a:schemeClr val="accent1"/>
+                </a:effectRef>
+                <a:fontRef idx="minor">
+                  <a:schemeClr val="lt1"/>
+                </a:fontRef>
+              </p:style>
+              <p:txBody>
+                <a:bodyPr rtlCol="0" anchor="ctr"/>
+                <a:lstStyle/>
+                <a:p>
+                  <a:pPr algn="ctr"/>
+                  <a:endParaRPr lang="de-DE"/>
+                </a:p>
+              </p:txBody>
+            </p:sp>
+            <p:sp>
+              <p:nvSpPr>
+                <p:cNvPr id="11" name="Pfeil nach links 10"/>
+                <p:cNvSpPr/>
+                <p:nvPr/>
+              </p:nvSpPr>
+              <p:spPr>
+                <a:xfrm rot="13564200">
+                  <a:off x="6267359" y="3071186"/>
+                  <a:ext cx="1008112" cy="576064"/>
+                </a:xfrm>
+                <a:prstGeom prst="leftArrow">
+                  <a:avLst/>
+                </a:prstGeom>
+                <a:solidFill>
+                  <a:schemeClr val="accent6">
+                    <a:lumMod val="75000"/>
+                  </a:schemeClr>
+                </a:solidFill>
+              </p:spPr>
+              <p:style>
+                <a:lnRef idx="2">
+                  <a:schemeClr val="accent1">
+                    <a:shade val="50000"/>
+                  </a:schemeClr>
+                </a:lnRef>
+                <a:fillRef idx="1">
+                  <a:schemeClr val="accent1"/>
+                </a:fillRef>
+                <a:effectRef idx="0">
+                  <a:schemeClr val="accent1"/>
+                </a:effectRef>
+                <a:fontRef idx="minor">
+                  <a:schemeClr val="lt1"/>
+                </a:fontRef>
+              </p:style>
+              <p:txBody>
+                <a:bodyPr rtlCol="0" anchor="ctr"/>
+                <a:lstStyle/>
+                <a:p>
+                  <a:pPr algn="ctr"/>
+                  <a:endParaRPr lang="de-DE"/>
+                </a:p>
+              </p:txBody>
+            </p:sp>
+            <p:sp>
+              <p:nvSpPr>
+                <p:cNvPr id="12" name="Textfeld 11"/>
+                <p:cNvSpPr txBox="1"/>
+                <p:nvPr/>
+              </p:nvSpPr>
+              <p:spPr>
+                <a:xfrm>
+                  <a:off x="6794342" y="846938"/>
+                  <a:ext cx="1944216" cy="369332"/>
+                </a:xfrm>
+                <a:prstGeom prst="rect">
+                  <a:avLst/>
+                </a:prstGeom>
+                <a:noFill/>
+              </p:spPr>
+              <p:txBody>
+                <a:bodyPr wrap="square" rtlCol="0">
+                  <a:spAutoFit/>
+                </a:bodyPr>
+                <a:lstStyle/>
+                <a:p>
+                  <a:r>
+                    <a:rPr lang="de-DE" dirty="0"/>
+                    <a:t>Abluft (ABL)</a:t>
+                  </a:r>
+                </a:p>
+              </p:txBody>
+            </p:sp>
+            <p:sp>
+              <p:nvSpPr>
+                <p:cNvPr id="13" name="Textfeld 12"/>
+                <p:cNvSpPr txBox="1"/>
+                <p:nvPr/>
+              </p:nvSpPr>
+              <p:spPr>
+                <a:xfrm>
+                  <a:off x="6936516" y="3737398"/>
+                  <a:ext cx="1944216" cy="369332"/>
+                </a:xfrm>
+                <a:prstGeom prst="rect">
+                  <a:avLst/>
+                </a:prstGeom>
+                <a:noFill/>
+              </p:spPr>
+              <p:txBody>
+                <a:bodyPr wrap="square" rtlCol="0">
+                  <a:spAutoFit/>
+                </a:bodyPr>
+                <a:lstStyle/>
+                <a:p>
+                  <a:r>
+                    <a:rPr lang="de-DE" dirty="0"/>
+                    <a:t>Zuluft (ZUL)</a:t>
+                  </a:r>
+                </a:p>
+              </p:txBody>
+            </p:sp>
+            <p:sp>
+              <p:nvSpPr>
+                <p:cNvPr id="16" name="Rechteck 15"/>
+                <p:cNvSpPr/>
+                <p:nvPr/>
+              </p:nvSpPr>
+              <p:spPr>
+                <a:xfrm>
+                  <a:off x="6794342" y="334883"/>
+                  <a:ext cx="2160240" cy="4536504"/>
+                </a:xfrm>
+                <a:prstGeom prst="rect">
+                  <a:avLst/>
+                </a:prstGeom>
+                <a:noFill/>
+                <a:ln w="12700">
+                  <a:solidFill>
+                    <a:schemeClr val="tx1"/>
+                  </a:solidFill>
+                  <a:prstDash val="sysDash"/>
+                </a:ln>
+              </p:spPr>
+              <p:style>
+                <a:lnRef idx="2">
+                  <a:schemeClr val="accent1">
+                    <a:shade val="50000"/>
+                  </a:schemeClr>
+                </a:lnRef>
+                <a:fillRef idx="1">
+                  <a:schemeClr val="accent1"/>
+                </a:fillRef>
+                <a:effectRef idx="0">
+                  <a:schemeClr val="accent1"/>
+                </a:effectRef>
+                <a:fontRef idx="minor">
+                  <a:schemeClr val="lt1"/>
+                </a:fontRef>
+              </p:style>
+              <p:txBody>
+                <a:bodyPr rtlCol="0" anchor="ctr"/>
+                <a:lstStyle/>
+                <a:p>
+                  <a:pPr algn="ctr"/>
+                  <a:r>
+                    <a:rPr lang="de-DE" dirty="0">
+                      <a:solidFill>
+                        <a:schemeClr val="tx1"/>
+                      </a:solidFill>
+                    </a:rPr>
+                    <a:t>Raum/ AHU2</a:t>
+                  </a:r>
+                </a:p>
+              </p:txBody>
+            </p:sp>
+          </p:grpSp>
+          <p:sp>
+            <p:nvSpPr>
+              <p:cNvPr id="18" name="Rechteck 17"/>
+              <p:cNvSpPr/>
+              <p:nvPr/>
+            </p:nvSpPr>
+            <p:spPr>
+              <a:xfrm>
+                <a:off x="467544" y="332656"/>
+                <a:ext cx="2160240" cy="4536504"/>
+              </a:xfrm>
+              <a:prstGeom prst="rect">
+                <a:avLst/>
+              </a:prstGeom>
+              <a:noFill/>
+              <a:ln w="12700">
+                <a:solidFill>
+                  <a:schemeClr val="tx1"/>
+                </a:solidFill>
+                <a:prstDash val="sysDash"/>
+              </a:ln>
+            </p:spPr>
+            <p:style>
+              <a:lnRef idx="2">
+                <a:schemeClr val="accent1">
+                  <a:shade val="50000"/>
+                </a:schemeClr>
+              </a:lnRef>
+              <a:fillRef idx="1">
+                <a:schemeClr val="accent1"/>
+              </a:fillRef>
+              <a:effectRef idx="0">
+                <a:schemeClr val="accent1"/>
+              </a:effectRef>
+              <a:fontRef idx="minor">
+                <a:schemeClr val="lt1"/>
+              </a:fontRef>
+            </p:style>
+            <p:txBody>
+              <a:bodyPr rtlCol="0" anchor="ctr"/>
+              <a:lstStyle/>
+              <a:p>
+                <a:pPr algn="ctr"/>
+                <a:r>
+                  <a:rPr lang="de-DE" dirty="0">
+                    <a:solidFill>
+                      <a:schemeClr val="tx1"/>
+                    </a:solidFill>
+                  </a:rPr>
+                  <a:t>Umgebung/ AHU1</a:t>
+                </a:r>
+              </a:p>
+            </p:txBody>
+          </p:sp>
+        </p:grpSp>
+        <p:cxnSp>
+          <p:nvCxnSpPr>
+            <p:cNvPr id="26" name="Gerade Verbindung mit Pfeil 25"/>
+            <p:cNvCxnSpPr/>
+            <p:nvPr/>
+          </p:nvCxnSpPr>
           <p:spPr>
             <a:xfrm>
-              <a:off x="3059832" y="2348880"/>
-              <a:ext cx="2520280" cy="1728192"/>
+              <a:off x="3127515" y="2341896"/>
+              <a:ext cx="846228" cy="884187"/>
             </a:xfrm>
-            <a:prstGeom prst="rect">
+            <a:prstGeom prst="straightConnector1">
               <a:avLst/>
             </a:prstGeom>
-            <a:solidFill>
-              <a:schemeClr val="bg1"/>
-            </a:solidFill>
             <a:ln>
               <a:solidFill>
-                <a:schemeClr val="accent1"/>
+                <a:schemeClr val="tx1"/>
               </a:solidFill>
+              <a:tailEnd type="triangle"/>
             </a:ln>
           </p:spPr>
           <p:style>
-            <a:lnRef idx="2">
-              <a:schemeClr val="accent1">
-                <a:shade val="50000"/>
-              </a:schemeClr>
+            <a:lnRef idx="1">
+              <a:schemeClr val="accent1"/>
             </a:lnRef>
-            <a:fillRef idx="1">
+            <a:fillRef idx="0">
               <a:schemeClr val="accent1"/>
             </a:fillRef>
             <a:effectRef idx="0">
               <a:schemeClr val="accent1"/>
             </a:effectRef>
             <a:fontRef idx="minor">
-              <a:schemeClr val="lt1"/>
+              <a:schemeClr val="tx1"/>
             </a:fontRef>
           </p:style>
-          <p:txBody>
-            <a:bodyPr rtlCol="0" anchor="ctr"/>
-            <a:lstStyle/>
-            <a:p>
-              <a:pPr algn="ctr"/>
-              <a:endParaRPr lang="de-DE"/>
-            </a:p>
-          </p:txBody>
-        </p:sp>
-        <p:sp>
-          <p:nvSpPr>
-            <p:cNvPr id="5" name="Trapezoid 4"/>
-            <p:cNvSpPr/>
+        </p:cxnSp>
+        <p:cxnSp>
+          <p:nvCxnSpPr>
+            <p:cNvPr id="29" name="Gerade Verbindung mit Pfeil 28"/>
+            <p:cNvCxnSpPr/>
             <p:nvPr/>
-          </p:nvSpPr>
+          </p:nvCxnSpPr>
           <p:spPr>
-            <a:xfrm rot="5400000">
-              <a:off x="5004048" y="2924944"/>
-              <a:ext cx="1728192" cy="576064"/>
+            <a:xfrm flipV="1">
+              <a:off x="3104614" y="1762448"/>
+              <a:ext cx="589380" cy="579448"/>
             </a:xfrm>
-            <a:prstGeom prst="trapezoid">
-              <a:avLst>
-                <a:gd name="adj" fmla="val 103596"/>
-              </a:avLst>
+            <a:prstGeom prst="straightConnector1">
+              <a:avLst/>
             </a:prstGeom>
-            <a:solidFill>
-              <a:schemeClr val="bg1"/>
-            </a:solidFill>
             <a:ln>
               <a:solidFill>
-                <a:schemeClr val="accent1"/>
+                <a:schemeClr val="tx1"/>
               </a:solidFill>
+              <a:tailEnd type="triangle"/>
             </a:ln>
           </p:spPr>
           <p:style>
-            <a:lnRef idx="2">
-              <a:schemeClr val="accent1">
-                <a:shade val="50000"/>
-              </a:schemeClr>
+            <a:lnRef idx="1">
+              <a:schemeClr val="accent1"/>
             </a:lnRef>
-            <a:fillRef idx="1">
+            <a:fillRef idx="0">
               <a:schemeClr val="accent1"/>
             </a:fillRef>
             <a:effectRef idx="0">
               <a:schemeClr val="accent1"/>
             </a:effectRef>
             <a:fontRef idx="minor">
-              <a:schemeClr val="lt1"/>
+              <a:schemeClr val="tx1"/>
             </a:fontRef>
           </p:style>
-          <p:txBody>
-            <a:bodyPr rtlCol="0" anchor="ctr"/>
-            <a:lstStyle/>
-            <a:p>
-              <a:pPr algn="ctr"/>
-              <a:endParaRPr lang="de-DE"/>
-            </a:p>
-          </p:txBody>
-        </p:sp>
-        <p:sp>
-          <p:nvSpPr>
-            <p:cNvPr id="6" name="Trapezoid 5"/>
-            <p:cNvSpPr/>
+        </p:cxnSp>
+        <p:cxnSp>
+          <p:nvCxnSpPr>
+            <p:cNvPr id="35" name="Gerader Verbinder 34"/>
+            <p:cNvCxnSpPr/>
             <p:nvPr/>
-          </p:nvSpPr>
+          </p:nvCxnSpPr>
           <p:spPr>
-            <a:xfrm rot="16200000">
-              <a:off x="1907704" y="2924944"/>
-              <a:ext cx="1728192" cy="576064"/>
+            <a:xfrm flipV="1">
+              <a:off x="4631079" y="692696"/>
+              <a:ext cx="0" cy="1584176"/>
             </a:xfrm>
-            <a:prstGeom prst="trapezoid">
-              <a:avLst>
-                <a:gd name="adj" fmla="val 103596"/>
-              </a:avLst>
+            <a:prstGeom prst="line">
+              <a:avLst/>
             </a:prstGeom>
-            <a:solidFill>
-              <a:schemeClr val="bg1"/>
-            </a:solidFill>
             <a:ln>
-              <a:solidFill>
-                <a:schemeClr val="accent1"/>
-              </a:solidFill>
+              <a:prstDash val="sysDash"/>
             </a:ln>
           </p:spPr>
           <p:style>
-            <a:lnRef idx="2">
-              <a:schemeClr val="accent1">
-                <a:shade val="50000"/>
-              </a:schemeClr>
+            <a:lnRef idx="1">
+              <a:schemeClr val="accent1"/>
             </a:lnRef>
-            <a:fillRef idx="1">
+            <a:fillRef idx="0">
               <a:schemeClr val="accent1"/>
             </a:fillRef>
             <a:effectRef idx="0">
               <a:schemeClr val="accent1"/>
             </a:effectRef>
             <a:fontRef idx="minor">
-              <a:schemeClr val="lt1"/>
+              <a:schemeClr val="tx1"/>
             </a:fontRef>
           </p:style>
-          <p:txBody>
-            <a:bodyPr rtlCol="0" anchor="ctr"/>
-            <a:lstStyle/>
-            <a:p>
-              <a:pPr algn="ctr"/>
-              <a:endParaRPr lang="de-DE"/>
-            </a:p>
-          </p:txBody>
-        </p:sp>
-        <p:sp>
-          <p:nvSpPr>
-            <p:cNvPr id="7" name="Pfeil nach links 6"/>
-            <p:cNvSpPr/>
+        </p:cxnSp>
+        <p:cxnSp>
+          <p:nvCxnSpPr>
+            <p:cNvPr id="36" name="Gerader Verbinder 35"/>
+            <p:cNvCxnSpPr/>
             <p:nvPr/>
-          </p:nvSpPr>
+          </p:nvCxnSpPr>
           <p:spPr>
-            <a:xfrm rot="18999399">
-              <a:off x="5806947" y="2060847"/>
-              <a:ext cx="1008112" cy="576064"/>
+            <a:xfrm flipV="1">
+              <a:off x="4054696" y="685992"/>
+              <a:ext cx="0" cy="1584176"/>
             </a:xfrm>
-            <a:prstGeom prst="leftArrow">
+            <a:prstGeom prst="line">
               <a:avLst/>
             </a:prstGeom>
+            <a:ln>
+              <a:prstDash val="sysDash"/>
+            </a:ln>
           </p:spPr>
           <p:style>
-            <a:lnRef idx="2">
-              <a:schemeClr val="accent1">
-                <a:shade val="50000"/>
-              </a:schemeClr>
+            <a:lnRef idx="1">
+              <a:schemeClr val="accent1"/>
             </a:lnRef>
-            <a:fillRef idx="1">
+            <a:fillRef idx="0">
               <a:schemeClr val="accent1"/>
             </a:fillRef>
             <a:effectRef idx="0">
               <a:schemeClr val="accent1"/>
             </a:effectRef>
             <a:fontRef idx="minor">
-              <a:schemeClr val="lt1"/>
+              <a:schemeClr val="tx1"/>
             </a:fontRef>
           </p:style>
-          <p:txBody>
-            <a:bodyPr rtlCol="0" anchor="ctr"/>
-            <a:lstStyle/>
-            <a:p>
-              <a:pPr algn="ctr"/>
-              <a:endParaRPr lang="de-DE"/>
-            </a:p>
-          </p:txBody>
-        </p:sp>
-        <p:sp>
-          <p:nvSpPr>
-            <p:cNvPr id="8" name="Pfeil nach links 7"/>
-            <p:cNvSpPr/>
+        </p:cxnSp>
+        <p:cxnSp>
+          <p:nvCxnSpPr>
+            <p:cNvPr id="37" name="Gerader Verbinder 36"/>
+            <p:cNvCxnSpPr/>
             <p:nvPr/>
-          </p:nvSpPr>
+          </p:nvCxnSpPr>
           <p:spPr>
-            <a:xfrm rot="18999399">
-              <a:off x="1895912" y="3840425"/>
-              <a:ext cx="1008112" cy="576064"/>
+            <a:xfrm flipV="1">
+              <a:off x="3527376" y="692696"/>
+              <a:ext cx="0" cy="1584176"/>
             </a:xfrm>
-            <a:prstGeom prst="leftArrow">
+            <a:prstGeom prst="line">
               <a:avLst/>
             </a:prstGeom>
+            <a:ln>
+              <a:prstDash val="sysDash"/>
+            </a:ln>
           </p:spPr>
           <p:style>
-            <a:lnRef idx="2">
-              <a:schemeClr val="accent1">
-                <a:shade val="50000"/>
-              </a:schemeClr>
+            <a:lnRef idx="1">
+              <a:schemeClr val="accent1"/>
             </a:lnRef>
-            <a:fillRef idx="1">
+            <a:fillRef idx="0">
               <a:schemeClr val="accent1"/>
             </a:fillRef>
             <a:effectRef idx="0">
               <a:schemeClr val="accent1"/>
             </a:effectRef>
             <a:fontRef idx="minor">
-              <a:schemeClr val="lt1"/>
+              <a:schemeClr val="tx1"/>
             </a:fontRef>
           </p:style>
-          <p:txBody>
-            <a:bodyPr rtlCol="0" anchor="ctr"/>
-            <a:lstStyle/>
-            <a:p>
-              <a:pPr algn="ctr"/>
-              <a:endParaRPr lang="de-DE"/>
-            </a:p>
-          </p:txBody>
-        </p:sp>
-        <p:sp>
-          <p:nvSpPr>
-            <p:cNvPr id="9" name="Pfeil nach links 8"/>
-            <p:cNvSpPr/>
+        </p:cxnSp>
+        <p:cxnSp>
+          <p:nvCxnSpPr>
+            <p:cNvPr id="38" name="Gerader Verbinder 37"/>
+            <p:cNvCxnSpPr/>
             <p:nvPr/>
-          </p:nvSpPr>
+          </p:nvCxnSpPr>
           <p:spPr>
-            <a:xfrm rot="13564200">
-              <a:off x="1927289" y="1975622"/>
-              <a:ext cx="1008112" cy="576064"/>
+            <a:xfrm flipV="1">
+              <a:off x="2951311" y="692696"/>
+              <a:ext cx="0" cy="1584176"/>
             </a:xfrm>
-            <a:prstGeom prst="leftArrow">
+            <a:prstGeom prst="line">
               <a:avLst/>
             </a:prstGeom>
+            <a:ln>
+              <a:prstDash val="sysDash"/>
+            </a:ln>
           </p:spPr>
           <p:style>
-            <a:lnRef idx="2">
-              <a:schemeClr val="accent1">
-                <a:shade val="50000"/>
-              </a:schemeClr>
+            <a:lnRef idx="1">
+              <a:schemeClr val="accent1"/>
             </a:lnRef>
-            <a:fillRef idx="1">
+            <a:fillRef idx="0">
               <a:schemeClr val="accent1"/>
             </a:fillRef>
             <a:effectRef idx="0">
               <a:schemeClr val="accent1"/>
             </a:effectRef>
             <a:fontRef idx="minor">
-              <a:schemeClr val="lt1"/>
+              <a:schemeClr val="tx1"/>
             </a:fontRef>
           </p:style>
-          <p:txBody>
-            <a:bodyPr rtlCol="0" anchor="ctr"/>
-            <a:lstStyle/>
-            <a:p>
-              <a:pPr algn="ctr"/>
-              <a:endParaRPr lang="de-DE"/>
-            </a:p>
-          </p:txBody>
-        </p:sp>
-        <p:sp>
-          <p:nvSpPr>
-            <p:cNvPr id="11" name="Pfeil nach links 10"/>
-            <p:cNvSpPr/>
+        </p:cxnSp>
+        <p:cxnSp>
+          <p:nvCxnSpPr>
+            <p:cNvPr id="40" name="Gerade Verbindung mit Pfeil 39"/>
+            <p:cNvCxnSpPr/>
             <p:nvPr/>
-          </p:nvSpPr>
+          </p:nvCxnSpPr>
           <p:spPr>
-            <a:xfrm rot="13564200">
-              <a:off x="5799815" y="3789039"/>
-              <a:ext cx="1008112" cy="576064"/>
+            <a:xfrm>
+              <a:off x="3550629" y="793734"/>
+              <a:ext cx="504067" cy="0"/>
             </a:xfrm>
-            <a:prstGeom prst="leftArrow">
+            <a:prstGeom prst="straightConnector1">
               <a:avLst/>
             </a:prstGeom>
+            <a:ln>
+              <a:headEnd type="triangle"/>
+              <a:tailEnd type="triangle"/>
+            </a:ln>
           </p:spPr>
           <p:style>
-            <a:lnRef idx="2">
-              <a:schemeClr val="accent1">
-                <a:shade val="50000"/>
-              </a:schemeClr>
+            <a:lnRef idx="1">
+              <a:schemeClr val="accent1"/>
             </a:lnRef>
-            <a:fillRef idx="1">
+            <a:fillRef idx="0">
               <a:schemeClr val="accent1"/>
             </a:fillRef>
             <a:effectRef idx="0">
               <a:schemeClr val="accent1"/>
             </a:effectRef>
             <a:fontRef idx="minor">
-              <a:schemeClr val="lt1"/>
+              <a:schemeClr val="tx1"/>
             </a:fontRef>
           </p:style>
-          <p:txBody>
-            <a:bodyPr rtlCol="0" anchor="ctr"/>
-            <a:lstStyle/>
-            <a:p>
-              <a:pPr algn="ctr"/>
-              <a:endParaRPr lang="de-DE"/>
-            </a:p>
-          </p:txBody>
-        </p:sp>
+        </p:cxnSp>
+        <p:cxnSp>
+          <p:nvCxnSpPr>
+            <p:cNvPr id="41" name="Gerade Verbindung mit Pfeil 40"/>
+            <p:cNvCxnSpPr/>
+            <p:nvPr/>
+          </p:nvCxnSpPr>
+          <p:spPr>
+            <a:xfrm>
+              <a:off x="4091013" y="793734"/>
+              <a:ext cx="504067" cy="0"/>
+            </a:xfrm>
+            <a:prstGeom prst="straightConnector1">
+              <a:avLst/>
+            </a:prstGeom>
+            <a:ln>
+              <a:headEnd type="triangle"/>
+              <a:tailEnd type="triangle"/>
+            </a:ln>
+          </p:spPr>
+          <p:style>
+            <a:lnRef idx="1">
+              <a:schemeClr val="accent1"/>
+            </a:lnRef>
+            <a:fillRef idx="0">
+              <a:schemeClr val="accent1"/>
+            </a:fillRef>
+            <a:effectRef idx="0">
+              <a:schemeClr val="accent1"/>
+            </a:effectRef>
+            <a:fontRef idx="minor">
+              <a:schemeClr val="tx1"/>
+            </a:fontRef>
+          </p:style>
+        </p:cxnSp>
+        <p:cxnSp>
+          <p:nvCxnSpPr>
+            <p:cNvPr id="42" name="Gerade Verbindung mit Pfeil 41"/>
+            <p:cNvCxnSpPr/>
+            <p:nvPr/>
+          </p:nvCxnSpPr>
+          <p:spPr>
+            <a:xfrm>
+              <a:off x="2987309" y="793734"/>
+              <a:ext cx="504067" cy="0"/>
+            </a:xfrm>
+            <a:prstGeom prst="straightConnector1">
+              <a:avLst/>
+            </a:prstGeom>
+            <a:ln>
+              <a:headEnd type="triangle"/>
+              <a:tailEnd type="triangle"/>
+            </a:ln>
+          </p:spPr>
+          <p:style>
+            <a:lnRef idx="1">
+              <a:schemeClr val="accent1"/>
+            </a:lnRef>
+            <a:fillRef idx="0">
+              <a:schemeClr val="accent1"/>
+            </a:fillRef>
+            <a:effectRef idx="0">
+              <a:schemeClr val="accent1"/>
+            </a:effectRef>
+            <a:fontRef idx="minor">
+              <a:schemeClr val="tx1"/>
+            </a:fontRef>
+          </p:style>
+        </p:cxnSp>
         <p:sp>
           <p:nvSpPr>
-            <p:cNvPr id="12" name="Textfeld 11"/>
+            <p:cNvPr id="43" name="Textfeld 42"/>
             <p:cNvSpPr txBox="1"/>
             <p:nvPr/>
           </p:nvSpPr>
           <p:spPr>
             <a:xfrm>
-              <a:off x="5148064" y="1645109"/>
-              <a:ext cx="1944216" cy="369332"/>
+              <a:off x="2776833" y="396248"/>
+              <a:ext cx="701481" cy="369332"/>
             </a:xfrm>
             <a:prstGeom prst="rect">
               <a:avLst/>
@@ -10612,23 +11096,22 @@
             <a:lstStyle/>
             <a:p>
               <a:r>
-                <a:rPr lang="de-DE" dirty="0" smtClean="0"/>
-                <a:t>Abluft (Ab)</a:t>
+                <a:rPr lang="de-DE" dirty="0"/>
+                <a:t>Kreuz</a:t>
               </a:r>
-              <a:endParaRPr lang="de-DE" dirty="0"/>
             </a:p>
           </p:txBody>
         </p:sp>
         <p:sp>
           <p:nvSpPr>
-            <p:cNvPr id="13" name="Textfeld 12"/>
+            <p:cNvPr id="44" name="Textfeld 43"/>
             <p:cNvSpPr txBox="1"/>
             <p:nvPr/>
           </p:nvSpPr>
           <p:spPr>
             <a:xfrm>
-              <a:off x="5148064" y="4499232"/>
-              <a:ext cx="1944216" cy="369332"/>
+              <a:off x="4100220" y="396248"/>
+              <a:ext cx="701481" cy="369332"/>
             </a:xfrm>
             <a:prstGeom prst="rect">
               <a:avLst/>
@@ -10642,31 +11125,22 @@
             <a:lstStyle/>
             <a:p>
               <a:r>
-                <a:rPr lang="de-DE" dirty="0" smtClean="0"/>
-                <a:t>Zuluft (</a:t>
+                <a:rPr lang="de-DE" dirty="0"/>
+                <a:t>Kreuz</a:t>
               </a:r>
-              <a:r>
-                <a:rPr lang="de-DE" dirty="0" err="1" smtClean="0"/>
-                <a:t>Zl</a:t>
-              </a:r>
-              <a:r>
-                <a:rPr lang="de-DE" dirty="0" smtClean="0"/>
-                <a:t>)</a:t>
-              </a:r>
-              <a:endParaRPr lang="de-DE" dirty="0"/>
             </a:p>
           </p:txBody>
         </p:sp>
         <p:sp>
           <p:nvSpPr>
-            <p:cNvPr id="14" name="Textfeld 13"/>
+            <p:cNvPr id="45" name="Textfeld 44"/>
             <p:cNvSpPr txBox="1"/>
             <p:nvPr/>
           </p:nvSpPr>
           <p:spPr>
             <a:xfrm>
-              <a:off x="2555776" y="1645109"/>
-              <a:ext cx="1944216" cy="369332"/>
+              <a:off x="3395108" y="377425"/>
+              <a:ext cx="887499" cy="369332"/>
             </a:xfrm>
             <a:prstGeom prst="rect">
               <a:avLst/>
@@ -10680,23 +11154,22 @@
             <a:lstStyle/>
             <a:p>
               <a:r>
-                <a:rPr lang="de-DE" dirty="0" smtClean="0"/>
-                <a:t>Außenluft (Au)</a:t>
+                <a:rPr lang="de-DE" dirty="0"/>
+                <a:t>Gegen</a:t>
               </a:r>
-              <a:endParaRPr lang="de-DE" dirty="0"/>
             </a:p>
           </p:txBody>
         </p:sp>
         <p:sp>
           <p:nvSpPr>
-            <p:cNvPr id="15" name="Textfeld 14"/>
+            <p:cNvPr id="46" name="Textfeld 45"/>
             <p:cNvSpPr txBox="1"/>
             <p:nvPr/>
           </p:nvSpPr>
           <p:spPr>
             <a:xfrm>
-              <a:off x="2555776" y="4499232"/>
-              <a:ext cx="1944216" cy="369332"/>
+              <a:off x="3649590" y="1634565"/>
+              <a:ext cx="182707" cy="369332"/>
             </a:xfrm>
             <a:prstGeom prst="rect">
               <a:avLst/>
@@ -10710,136 +11183,178 @@
             <a:lstStyle/>
             <a:p>
               <a:r>
-                <a:rPr lang="de-DE" dirty="0" smtClean="0"/>
-                <a:t>Fortluft (</a:t>
+                <a:rPr lang="de-DE" dirty="0"/>
+                <a:t>x</a:t>
               </a:r>
-              <a:r>
-                <a:rPr lang="de-DE" dirty="0" err="1" smtClean="0"/>
-                <a:t>Fl</a:t>
-              </a:r>
-              <a:r>
-                <a:rPr lang="de-DE" dirty="0" smtClean="0"/>
-                <a:t>)</a:t>
-              </a:r>
-              <a:endParaRPr lang="de-DE" dirty="0"/>
             </a:p>
           </p:txBody>
         </p:sp>
         <p:sp>
           <p:nvSpPr>
-            <p:cNvPr id="16" name="Rechteck 15"/>
-            <p:cNvSpPr/>
+            <p:cNvPr id="47" name="Textfeld 46"/>
+            <p:cNvSpPr txBox="1"/>
             <p:nvPr/>
           </p:nvSpPr>
           <p:spPr>
             <a:xfrm>
-              <a:off x="6326798" y="1052736"/>
-              <a:ext cx="2160240" cy="4536504"/>
+              <a:off x="3644001" y="2994522"/>
+              <a:ext cx="182707" cy="369332"/>
             </a:xfrm>
             <a:prstGeom prst="rect">
               <a:avLst/>
             </a:prstGeom>
             <a:noFill/>
-            <a:ln w="12700">
+          </p:spPr>
+          <p:txBody>
+            <a:bodyPr wrap="square" rtlCol="0">
+              <a:spAutoFit/>
+            </a:bodyPr>
+            <a:lstStyle/>
+            <a:p>
+              <a:r>
+                <a:rPr lang="de-DE" dirty="0"/>
+                <a:t>y</a:t>
+              </a:r>
+            </a:p>
+          </p:txBody>
+        </p:sp>
+        <p:grpSp>
+          <p:nvGrpSpPr>
+            <p:cNvPr id="50" name="Gruppieren 49"/>
+            <p:cNvGrpSpPr/>
+            <p:nvPr/>
+          </p:nvGrpSpPr>
+          <p:grpSpPr>
+            <a:xfrm>
+              <a:off x="3079149" y="2236825"/>
+              <a:ext cx="172731" cy="184666"/>
+              <a:chOff x="7308303" y="1819231"/>
+              <a:chExt cx="172731" cy="184666"/>
+            </a:xfrm>
+          </p:grpSpPr>
+          <p:sp>
+            <p:nvSpPr>
+              <p:cNvPr id="48" name="Ellipse 47"/>
+              <p:cNvSpPr/>
+              <p:nvPr/>
+            </p:nvSpPr>
+            <p:spPr>
+              <a:xfrm>
+                <a:off x="7308303" y="1819231"/>
+                <a:ext cx="172731" cy="184666"/>
+              </a:xfrm>
+              <a:prstGeom prst="ellipse">
+                <a:avLst/>
+              </a:prstGeom>
+              <a:solidFill>
+                <a:schemeClr val="bg1"/>
+              </a:solidFill>
+              <a:ln>
+                <a:solidFill>
+                  <a:schemeClr val="tx1"/>
+                </a:solidFill>
+              </a:ln>
+            </p:spPr>
+            <p:style>
+              <a:lnRef idx="2">
+                <a:schemeClr val="accent1">
+                  <a:shade val="50000"/>
+                </a:schemeClr>
+              </a:lnRef>
+              <a:fillRef idx="1">
+                <a:schemeClr val="accent1"/>
+              </a:fillRef>
+              <a:effectRef idx="0">
+                <a:schemeClr val="accent1"/>
+              </a:effectRef>
+              <a:fontRef idx="minor">
+                <a:schemeClr val="lt1"/>
+              </a:fontRef>
+            </p:style>
+            <p:txBody>
+              <a:bodyPr rtlCol="0" anchor="ctr"/>
+              <a:lstStyle/>
+              <a:p>
+                <a:pPr algn="ctr"/>
+                <a:endParaRPr lang="de-DE"/>
+              </a:p>
+            </p:txBody>
+          </p:sp>
+          <p:sp>
+            <p:nvSpPr>
+              <p:cNvPr id="49" name="Ellipse 48"/>
+              <p:cNvSpPr/>
+              <p:nvPr/>
+            </p:nvSpPr>
+            <p:spPr>
+              <a:xfrm>
+                <a:off x="7371808" y="1888704"/>
+                <a:ext cx="45719" cy="45719"/>
+              </a:xfrm>
+              <a:prstGeom prst="ellipse">
+                <a:avLst/>
+              </a:prstGeom>
               <a:solidFill>
                 <a:schemeClr val="tx1"/>
               </a:solidFill>
-              <a:prstDash val="sysDash"/>
-            </a:ln>
-          </p:spPr>
-          <p:style>
-            <a:lnRef idx="2">
-              <a:schemeClr val="accent1">
-                <a:shade val="50000"/>
-              </a:schemeClr>
-            </a:lnRef>
-            <a:fillRef idx="1">
-              <a:schemeClr val="accent1"/>
-            </a:fillRef>
-            <a:effectRef idx="0">
-              <a:schemeClr val="accent1"/>
-            </a:effectRef>
-            <a:fontRef idx="minor">
-              <a:schemeClr val="lt1"/>
-            </a:fontRef>
-          </p:style>
-          <p:txBody>
-            <a:bodyPr rtlCol="0" anchor="ctr"/>
-            <a:lstStyle/>
-            <a:p>
-              <a:pPr algn="ctr"/>
-              <a:r>
-                <a:rPr lang="de-DE" dirty="0" smtClean="0">
-                  <a:solidFill>
-                    <a:schemeClr val="tx1"/>
-                  </a:solidFill>
-                </a:rPr>
-                <a:t>Raum/ AHU2</a:t>
-              </a:r>
-              <a:endParaRPr lang="de-DE" dirty="0">
+              <a:ln>
                 <a:solidFill>
                   <a:schemeClr val="tx1"/>
                 </a:solidFill>
-              </a:endParaRPr>
-            </a:p>
-          </p:txBody>
-        </p:sp>
+              </a:ln>
+            </p:spPr>
+            <p:style>
+              <a:lnRef idx="2">
+                <a:schemeClr val="accent1">
+                  <a:shade val="50000"/>
+                </a:schemeClr>
+              </a:lnRef>
+              <a:fillRef idx="1">
+                <a:schemeClr val="accent1"/>
+              </a:fillRef>
+              <a:effectRef idx="0">
+                <a:schemeClr val="accent1"/>
+              </a:effectRef>
+              <a:fontRef idx="minor">
+                <a:schemeClr val="lt1"/>
+              </a:fontRef>
+            </p:style>
+            <p:txBody>
+              <a:bodyPr rtlCol="0" anchor="ctr"/>
+              <a:lstStyle/>
+              <a:p>
+                <a:pPr algn="ctr"/>
+                <a:endParaRPr lang="de-DE"/>
+              </a:p>
+            </p:txBody>
+          </p:sp>
+        </p:grpSp>
         <p:sp>
           <p:nvSpPr>
-            <p:cNvPr id="18" name="Rechteck 17"/>
-            <p:cNvSpPr/>
+            <p:cNvPr id="51" name="Textfeld 50"/>
+            <p:cNvSpPr txBox="1"/>
             <p:nvPr/>
           </p:nvSpPr>
           <p:spPr>
             <a:xfrm>
-              <a:off x="0" y="1050509"/>
-              <a:ext cx="2160240" cy="4536504"/>
+              <a:off x="3013844" y="2381250"/>
+              <a:ext cx="172731" cy="369332"/>
             </a:xfrm>
             <a:prstGeom prst="rect">
               <a:avLst/>
             </a:prstGeom>
             <a:noFill/>
-            <a:ln w="12700">
-              <a:solidFill>
-                <a:schemeClr val="tx1"/>
-              </a:solidFill>
-              <a:prstDash val="sysDash"/>
-            </a:ln>
           </p:spPr>
-          <p:style>
-            <a:lnRef idx="2">
-              <a:schemeClr val="accent1">
-                <a:shade val="50000"/>
-              </a:schemeClr>
-            </a:lnRef>
-            <a:fillRef idx="1">
-              <a:schemeClr val="accent1"/>
-            </a:fillRef>
-            <a:effectRef idx="0">
-              <a:schemeClr val="accent1"/>
-            </a:effectRef>
-            <a:fontRef idx="minor">
-              <a:schemeClr val="lt1"/>
-            </a:fontRef>
-          </p:style>
           <p:txBody>
-            <a:bodyPr rtlCol="0" anchor="ctr"/>
+            <a:bodyPr wrap="square" rtlCol="0">
+              <a:spAutoFit/>
+            </a:bodyPr>
             <a:lstStyle/>
             <a:p>
-              <a:pPr algn="ctr"/>
               <a:r>
-                <a:rPr lang="de-DE" dirty="0" smtClean="0">
-                  <a:solidFill>
-                    <a:schemeClr val="tx1"/>
-                  </a:solidFill>
-                </a:rPr>
-                <a:t>Umgebung/ AHU1</a:t>
+                <a:rPr lang="de-DE" dirty="0"/>
+                <a:t>z</a:t>
               </a:r>
-              <a:endParaRPr lang="de-DE" dirty="0">
-                <a:solidFill>
-                  <a:schemeClr val="tx1"/>
-                </a:solidFill>
-              </a:endParaRPr>
             </a:p>
           </p:txBody>
         </p:sp>
@@ -10854,13 +11369,6 @@
   <p:clrMapOvr>
     <a:masterClrMapping/>
   </p:clrMapOvr>
-  <p:timing>
-    <p:tnLst>
-      <p:par>
-        <p:cTn id="1" dur="indefinite" restart="never" nodeType="tmRoot"/>
-      </p:par>
-    </p:tnLst>
-  </p:timing>
 </p:sld>
 </file>
 
@@ -10905,18 +11413,17 @@
           <a:p>
             <a:pPr algn="l"/>
             <a:r>
-              <a:rPr lang="de-DE" sz="2400" dirty="0" smtClean="0"/>
+              <a:rPr lang="de-DE" sz="2400" dirty="0"/>
               <a:t>Wichtige Eigenschaften des </a:t>
             </a:r>
             <a:r>
-              <a:rPr lang="de-DE" sz="2400" dirty="0" err="1" smtClean="0"/>
+              <a:rPr lang="de-DE" sz="2400" dirty="0" err="1"/>
               <a:t>Enthalpieübertragers</a:t>
             </a:r>
             <a:r>
-              <a:rPr lang="de-DE" sz="2400" dirty="0" smtClean="0"/>
+              <a:rPr lang="de-DE" sz="2400" dirty="0"/>
               <a:t> für die Modellbildung</a:t>
             </a:r>
-            <a:endParaRPr lang="de-DE" sz="2400" dirty="0"/>
           </a:p>
         </p:txBody>
       </p:sp>
@@ -10941,74 +11448,74 @@
           <a:lstStyle/>
           <a:p>
             <a:r>
-              <a:rPr lang="de-DE" dirty="0" smtClean="0"/>
+              <a:rPr lang="de-DE" dirty="0"/>
               <a:t>Geometrie: Cross- oder </a:t>
             </a:r>
             <a:r>
-              <a:rPr lang="de-DE" dirty="0" err="1" smtClean="0"/>
+              <a:rPr lang="de-DE" dirty="0" err="1"/>
               <a:t>Counterflow</a:t>
             </a:r>
-            <a:endParaRPr lang="de-DE" dirty="0" smtClean="0"/>
-          </a:p>
-          <a:p>
-            <a:r>
-              <a:rPr lang="de-DE" dirty="0" smtClean="0"/>
+            <a:endParaRPr lang="de-DE" dirty="0"/>
+          </a:p>
+          <a:p>
+            <a:r>
+              <a:rPr lang="de-DE" dirty="0"/>
               <a:t>Membran: </a:t>
             </a:r>
             <a:r>
-              <a:rPr lang="de-DE" dirty="0" err="1" smtClean="0"/>
+              <a:rPr lang="de-DE" dirty="0" err="1"/>
               <a:t>Porous</a:t>
             </a:r>
             <a:r>
-              <a:rPr lang="de-DE" dirty="0" smtClean="0"/>
+              <a:rPr lang="de-DE" dirty="0"/>
               <a:t>, </a:t>
             </a:r>
             <a:r>
-              <a:rPr lang="de-DE" dirty="0" err="1" smtClean="0"/>
+              <a:rPr lang="de-DE" dirty="0" err="1"/>
               <a:t>Dent</a:t>
             </a:r>
             <a:r>
-              <a:rPr lang="de-DE" dirty="0" smtClean="0"/>
+              <a:rPr lang="de-DE" dirty="0"/>
               <a:t>, </a:t>
             </a:r>
             <a:r>
-              <a:rPr lang="de-DE" dirty="0" err="1" smtClean="0"/>
+              <a:rPr lang="de-DE" dirty="0" err="1"/>
               <a:t>combinated</a:t>
             </a:r>
             <a:r>
-              <a:rPr lang="de-DE" dirty="0" smtClean="0"/>
+              <a:rPr lang="de-DE" dirty="0"/>
               <a:t>, </a:t>
             </a:r>
             <a:r>
-              <a:rPr lang="de-DE" dirty="0" err="1" smtClean="0"/>
+              <a:rPr lang="de-DE" dirty="0" err="1"/>
               <a:t>dent</a:t>
             </a:r>
             <a:r>
-              <a:rPr lang="de-DE" dirty="0" smtClean="0"/>
+              <a:rPr lang="de-DE" dirty="0"/>
               <a:t> </a:t>
             </a:r>
             <a:r>
-              <a:rPr lang="de-DE" dirty="0" err="1" smtClean="0"/>
+              <a:rPr lang="de-DE" dirty="0" err="1"/>
               <a:t>membrane</a:t>
             </a:r>
             <a:r>
-              <a:rPr lang="de-DE" dirty="0" smtClean="0"/>
+              <a:rPr lang="de-DE" dirty="0"/>
               <a:t> </a:t>
             </a:r>
             <a:r>
-              <a:rPr lang="de-DE" dirty="0" err="1" smtClean="0"/>
+              <a:rPr lang="de-DE" dirty="0" err="1"/>
               <a:t>with</a:t>
             </a:r>
             <a:r>
-              <a:rPr lang="de-DE" dirty="0" smtClean="0"/>
+              <a:rPr lang="de-DE" dirty="0"/>
               <a:t> </a:t>
             </a:r>
             <a:r>
-              <a:rPr lang="de-DE" dirty="0" err="1" smtClean="0"/>
+              <a:rPr lang="de-DE" dirty="0" err="1"/>
               <a:t>pores</a:t>
             </a:r>
             <a:r>
-              <a:rPr lang="de-DE" dirty="0" smtClean="0"/>
+              <a:rPr lang="de-DE" dirty="0"/>
               <a:t> </a:t>
             </a:r>
           </a:p>
@@ -11074,10 +11581,9 @@
           <a:p>
             <a:pPr algn="l"/>
             <a:r>
-              <a:rPr lang="de-DE" dirty="0" smtClean="0"/>
+              <a:rPr lang="de-DE" dirty="0"/>
               <a:t>Wichtige Annahmen</a:t>
             </a:r>
-            <a:endParaRPr lang="de-DE" dirty="0"/>
           </a:p>
         </p:txBody>
       </p:sp>
@@ -11104,128 +11610,128 @@
           <a:lstStyle/>
           <a:p>
             <a:r>
-              <a:rPr lang="de-DE" dirty="0" smtClean="0"/>
+              <a:rPr lang="de-DE" dirty="0"/>
               <a:t>Strömung:</a:t>
             </a:r>
           </a:p>
           <a:p>
             <a:pPr lvl="1"/>
             <a:r>
-              <a:rPr lang="de-DE" dirty="0" smtClean="0"/>
+              <a:rPr lang="de-DE" dirty="0"/>
               <a:t>Laminar</a:t>
             </a:r>
           </a:p>
           <a:p>
             <a:pPr lvl="1"/>
             <a:r>
-              <a:rPr lang="de-DE" dirty="0" smtClean="0"/>
+              <a:rPr lang="de-DE" dirty="0"/>
               <a:t>Grenzschichtbildung</a:t>
             </a:r>
           </a:p>
           <a:p>
             <a:pPr lvl="1"/>
             <a:r>
-              <a:rPr lang="de-DE" dirty="0" smtClean="0"/>
+              <a:rPr lang="de-DE" dirty="0"/>
               <a:t>Diffusion in Gas als Transportprozess</a:t>
             </a:r>
           </a:p>
           <a:p>
             <a:r>
-              <a:rPr lang="de-DE" dirty="0" smtClean="0"/>
+              <a:rPr lang="de-DE" dirty="0"/>
               <a:t>Ausgleich Energie von Absorption und Desorption</a:t>
             </a:r>
           </a:p>
           <a:p>
             <a:r>
-              <a:rPr lang="de-DE" dirty="0" smtClean="0"/>
+              <a:rPr lang="de-DE" dirty="0"/>
               <a:t>Stofftransport in der Membran nur in z-Richtung</a:t>
             </a:r>
           </a:p>
           <a:p>
             <a:r>
-              <a:rPr lang="de-DE" dirty="0" smtClean="0"/>
+              <a:rPr lang="de-DE" dirty="0"/>
               <a:t>Stofftransport aufgrund von Diffusion in der Gasphase nur in z-Richtung, Wärmeleitung auch, wenn </a:t>
             </a:r>
             <a:r>
-              <a:rPr lang="de-DE" dirty="0" err="1" smtClean="0"/>
+              <a:rPr lang="de-DE" dirty="0" err="1"/>
               <a:t>Pe</a:t>
             </a:r>
             <a:r>
-              <a:rPr lang="de-DE" dirty="0" smtClean="0"/>
+              <a:rPr lang="de-DE" dirty="0"/>
               <a:t> =Re*</a:t>
             </a:r>
             <a:r>
-              <a:rPr lang="de-DE" dirty="0" err="1" smtClean="0"/>
+              <a:rPr lang="de-DE" dirty="0" err="1"/>
               <a:t>Pr</a:t>
             </a:r>
             <a:r>
-              <a:rPr lang="de-DE" dirty="0" smtClean="0"/>
+              <a:rPr lang="de-DE" dirty="0"/>
               <a:t> &gt; 10 </a:t>
             </a:r>
             <a:r>
-              <a:rPr lang="de-DE" dirty="0" err="1" smtClean="0"/>
+              <a:rPr lang="de-DE" dirty="0" err="1"/>
               <a:t>bzw</a:t>
             </a:r>
             <a:r>
-              <a:rPr lang="de-DE" dirty="0" smtClean="0"/>
+              <a:rPr lang="de-DE" dirty="0"/>
               <a:t> 100 ist. Effekt eher bei flüssigen metallen (kleines </a:t>
             </a:r>
             <a:r>
-              <a:rPr lang="de-DE" dirty="0" err="1" smtClean="0"/>
+              <a:rPr lang="de-DE" dirty="0" err="1"/>
               <a:t>Pe</a:t>
             </a:r>
             <a:r>
-              <a:rPr lang="de-DE" dirty="0" smtClean="0"/>
+              <a:rPr lang="de-DE" dirty="0"/>
               <a:t>) wichtig</a:t>
             </a:r>
           </a:p>
           <a:p>
             <a:r>
-              <a:rPr lang="de-DE" dirty="0" err="1" smtClean="0"/>
+              <a:rPr lang="de-DE" dirty="0" err="1"/>
               <a:t>m</a:t>
             </a:r>
             <a:r>
-              <a:rPr lang="de-DE" baseline="-25000" dirty="0" err="1" smtClean="0"/>
+              <a:rPr lang="de-DE" baseline="-25000" dirty="0" err="1"/>
               <a:t>w</a:t>
             </a:r>
             <a:r>
-              <a:rPr lang="de-DE" dirty="0" smtClean="0"/>
+              <a:rPr lang="de-DE" dirty="0"/>
               <a:t> &lt;&lt; m</a:t>
             </a:r>
             <a:r>
-              <a:rPr lang="de-DE" baseline="-25000" dirty="0" smtClean="0"/>
+              <a:rPr lang="de-DE" baseline="-25000" dirty="0"/>
               <a:t>l</a:t>
             </a:r>
           </a:p>
           <a:p>
             <a:r>
-              <a:rPr lang="de-DE" dirty="0" err="1" smtClean="0"/>
+              <a:rPr lang="de-DE" dirty="0" err="1"/>
               <a:t>Stationarität</a:t>
             </a:r>
-            <a:endParaRPr lang="de-DE" dirty="0" smtClean="0"/>
-          </a:p>
-          <a:p>
-            <a:r>
-              <a:rPr lang="de-DE" dirty="0" smtClean="0"/>
+            <a:endParaRPr lang="de-DE" dirty="0"/>
+          </a:p>
+          <a:p>
+            <a:r>
+              <a:rPr lang="de-DE" dirty="0"/>
               <a:t>Konstante Materialeigenschaften der Membran (über T, p und h)</a:t>
             </a:r>
           </a:p>
           <a:p>
             <a:r>
-              <a:rPr lang="de-DE" dirty="0" smtClean="0"/>
+              <a:rPr lang="de-DE" dirty="0"/>
               <a:t>Linear Steigung von T und </a:t>
             </a:r>
             <a:r>
-              <a:rPr lang="de-DE" dirty="0" err="1" smtClean="0"/>
+              <a:rPr lang="de-DE" dirty="0" err="1"/>
               <a:t>theta</a:t>
             </a:r>
             <a:r>
-              <a:rPr lang="de-DE" dirty="0" smtClean="0"/>
+              <a:rPr lang="de-DE" dirty="0"/>
               <a:t> in der Membran</a:t>
             </a:r>
           </a:p>
           <a:p>
-            <a:endParaRPr lang="de-DE" dirty="0" smtClean="0"/>
+            <a:endParaRPr lang="de-DE" dirty="0"/>
           </a:p>
         </p:txBody>
       </p:sp>
@@ -11252,10 +11758,9 @@
           <a:lstStyle/>
           <a:p>
             <a:r>
-              <a:rPr lang="de-DE" dirty="0" smtClean="0"/>
+              <a:rPr lang="de-DE" dirty="0"/>
               <a:t>(o) optional, (g) gängig, (m) zwangsläufig</a:t>
             </a:r>
-            <a:endParaRPr lang="de-DE" dirty="0"/>
           </a:p>
         </p:txBody>
       </p:sp>
@@ -11269,13 +11774,6 @@
   <p:clrMapOvr>
     <a:masterClrMapping/>
   </p:clrMapOvr>
-  <p:timing>
-    <p:tnLst>
-      <p:par>
-        <p:cTn id="1" dur="indefinite" restart="never" nodeType="tmRoot"/>
-      </p:par>
-    </p:tnLst>
-  </p:timing>
 </p:sld>
 </file>
 
@@ -11379,10 +11877,9 @@
           <a:p>
             <a:pPr algn="ctr"/>
             <a:r>
-              <a:rPr lang="de-DE" dirty="0" smtClean="0"/>
+              <a:rPr lang="de-DE" dirty="0"/>
               <a:t>mx</a:t>
             </a:r>
-            <a:endParaRPr lang="de-DE" dirty="0"/>
           </a:p>
         </p:txBody>
       </p:sp>
@@ -11423,18 +11920,17 @@
           <a:p>
             <a:pPr algn="ctr"/>
             <a:r>
-              <a:rPr lang="de-DE" dirty="0" smtClean="0"/>
+              <a:rPr lang="de-DE" dirty="0"/>
               <a:t>mx - </a:t>
             </a:r>
             <a:r>
-              <a:rPr lang="de-DE" dirty="0" err="1" smtClean="0"/>
+              <a:rPr lang="de-DE" dirty="0" err="1"/>
               <a:t>mw</a:t>
             </a:r>
             <a:r>
-              <a:rPr lang="de-DE" dirty="0" smtClean="0"/>
+              <a:rPr lang="de-DE" dirty="0"/>
               <a:t> ≈ mx </a:t>
             </a:r>
-            <a:endParaRPr lang="de-DE" dirty="0"/>
           </a:p>
         </p:txBody>
       </p:sp>
@@ -11475,7 +11971,7 @@
           <a:p>
             <a:pPr algn="ctr"/>
             <a:r>
-              <a:rPr lang="de-DE" dirty="0" err="1" smtClean="0"/>
+              <a:rPr lang="de-DE" dirty="0" err="1"/>
               <a:t>mw</a:t>
             </a:r>
             <a:endParaRPr lang="de-DE" dirty="0"/>
@@ -11595,10 +12091,9 @@
           <a:p>
             <a:pPr algn="ctr"/>
             <a:r>
-              <a:rPr lang="de-DE" dirty="0" smtClean="0"/>
+              <a:rPr lang="de-DE" dirty="0"/>
               <a:t>mgx1</a:t>
             </a:r>
-            <a:endParaRPr lang="de-DE" dirty="0"/>
           </a:p>
         </p:txBody>
       </p:sp>
@@ -11639,10 +12134,9 @@
           <a:p>
             <a:pPr algn="ctr"/>
             <a:r>
-              <a:rPr lang="de-DE" dirty="0" smtClean="0"/>
+              <a:rPr lang="de-DE" dirty="0"/>
               <a:t>mgx2</a:t>
             </a:r>
-            <a:endParaRPr lang="de-DE" dirty="0"/>
           </a:p>
         </p:txBody>
       </p:sp>
@@ -11683,10 +12177,9 @@
           <a:p>
             <a:pPr algn="ctr"/>
             <a:r>
-              <a:rPr lang="de-DE" dirty="0" smtClean="0"/>
+              <a:rPr lang="de-DE" dirty="0"/>
               <a:t>mwx1</a:t>
             </a:r>
-            <a:endParaRPr lang="de-DE" dirty="0"/>
           </a:p>
         </p:txBody>
       </p:sp>
@@ -11727,10 +12220,9 @@
           <a:p>
             <a:pPr algn="ctr"/>
             <a:r>
-              <a:rPr lang="de-DE" dirty="0" smtClean="0"/>
+              <a:rPr lang="de-DE" dirty="0"/>
               <a:t>mwx2</a:t>
             </a:r>
-            <a:endParaRPr lang="de-DE" dirty="0"/>
           </a:p>
         </p:txBody>
       </p:sp>
@@ -11771,10 +12263,9 @@
           <a:p>
             <a:pPr algn="ctr"/>
             <a:r>
-              <a:rPr lang="de-DE" dirty="0" smtClean="0"/>
+              <a:rPr lang="de-DE" dirty="0"/>
               <a:t>mwy1</a:t>
             </a:r>
-            <a:endParaRPr lang="de-DE" dirty="0"/>
           </a:p>
         </p:txBody>
       </p:sp>
@@ -11815,10 +12306,9 @@
           <a:p>
             <a:pPr algn="ctr"/>
             <a:r>
-              <a:rPr lang="de-DE" dirty="0" smtClean="0"/>
+              <a:rPr lang="de-DE" dirty="0"/>
               <a:t>mgy1</a:t>
             </a:r>
-            <a:endParaRPr lang="de-DE" dirty="0"/>
           </a:p>
         </p:txBody>
       </p:sp>
@@ -11859,10 +12349,9 @@
           <a:p>
             <a:pPr algn="ctr"/>
             <a:r>
-              <a:rPr lang="de-DE" dirty="0" smtClean="0"/>
+              <a:rPr lang="de-DE" dirty="0"/>
               <a:t>mgy1</a:t>
             </a:r>
-            <a:endParaRPr lang="de-DE" dirty="0"/>
           </a:p>
         </p:txBody>
       </p:sp>
@@ -11903,10 +12392,9 @@
           <a:p>
             <a:pPr algn="ctr"/>
             <a:r>
-              <a:rPr lang="de-DE" dirty="0" smtClean="0"/>
+              <a:rPr lang="de-DE" dirty="0"/>
               <a:t>mwy2</a:t>
             </a:r>
-            <a:endParaRPr lang="de-DE" dirty="0"/>
           </a:p>
         </p:txBody>
       </p:sp>
@@ -12023,10 +12511,9 @@
           <a:p>
             <a:pPr algn="ctr"/>
             <a:r>
-              <a:rPr lang="de-DE" dirty="0" smtClean="0"/>
+              <a:rPr lang="de-DE" dirty="0"/>
               <a:t>mgx1</a:t>
             </a:r>
-            <a:endParaRPr lang="de-DE" dirty="0"/>
           </a:p>
         </p:txBody>
       </p:sp>
@@ -12067,10 +12554,9 @@
           <a:p>
             <a:pPr algn="ctr"/>
             <a:r>
-              <a:rPr lang="de-DE" dirty="0" smtClean="0"/>
+              <a:rPr lang="de-DE" dirty="0"/>
               <a:t>mgx2</a:t>
             </a:r>
-            <a:endParaRPr lang="de-DE" dirty="0"/>
           </a:p>
         </p:txBody>
       </p:sp>
@@ -12111,10 +12597,9 @@
           <a:p>
             <a:pPr algn="ctr"/>
             <a:r>
-              <a:rPr lang="de-DE" dirty="0" smtClean="0"/>
+              <a:rPr lang="de-DE" dirty="0"/>
               <a:t>mwx1</a:t>
             </a:r>
-            <a:endParaRPr lang="de-DE" dirty="0"/>
           </a:p>
         </p:txBody>
       </p:sp>
@@ -12155,10 +12640,9 @@
           <a:p>
             <a:pPr algn="ctr"/>
             <a:r>
-              <a:rPr lang="de-DE" dirty="0" smtClean="0"/>
+              <a:rPr lang="de-DE" dirty="0"/>
               <a:t>mwx2</a:t>
             </a:r>
-            <a:endParaRPr lang="de-DE" dirty="0"/>
           </a:p>
         </p:txBody>
       </p:sp>
@@ -12199,10 +12683,9 @@
           <a:p>
             <a:pPr algn="ctr"/>
             <a:r>
-              <a:rPr lang="de-DE" dirty="0" smtClean="0"/>
+              <a:rPr lang="de-DE" dirty="0"/>
               <a:t>mwy1</a:t>
             </a:r>
-            <a:endParaRPr lang="de-DE" dirty="0"/>
           </a:p>
         </p:txBody>
       </p:sp>
@@ -12243,10 +12726,9 @@
           <a:p>
             <a:pPr algn="ctr"/>
             <a:r>
-              <a:rPr lang="de-DE" dirty="0" smtClean="0"/>
+              <a:rPr lang="de-DE" dirty="0"/>
               <a:t>mgy1</a:t>
             </a:r>
-            <a:endParaRPr lang="de-DE" dirty="0"/>
           </a:p>
         </p:txBody>
       </p:sp>
@@ -12287,10 +12769,9 @@
           <a:p>
             <a:pPr algn="ctr"/>
             <a:r>
-              <a:rPr lang="de-DE" dirty="0" smtClean="0"/>
+              <a:rPr lang="de-DE" dirty="0"/>
               <a:t>mgy1</a:t>
             </a:r>
-            <a:endParaRPr lang="de-DE" dirty="0"/>
           </a:p>
         </p:txBody>
       </p:sp>
@@ -12331,10 +12812,9 @@
           <a:p>
             <a:pPr algn="ctr"/>
             <a:r>
-              <a:rPr lang="de-DE" dirty="0" smtClean="0"/>
+              <a:rPr lang="de-DE" dirty="0"/>
               <a:t>mwy2</a:t>
             </a:r>
-            <a:endParaRPr lang="de-DE" dirty="0"/>
           </a:p>
         </p:txBody>
       </p:sp>
@@ -12361,7 +12841,7 @@
           <a:lstStyle/>
           <a:p>
             <a:r>
-              <a:rPr lang="de-DE" dirty="0" err="1" smtClean="0"/>
+              <a:rPr lang="de-DE" dirty="0" err="1"/>
               <a:t>feed</a:t>
             </a:r>
             <a:endParaRPr lang="de-DE" dirty="0"/>
@@ -12539,10 +13019,9 @@
           <a:p>
             <a:pPr algn="ctr"/>
             <a:r>
-              <a:rPr lang="de-DE" dirty="0" smtClean="0"/>
+              <a:rPr lang="de-DE" dirty="0"/>
               <a:t>mx2 ≈ mx1</a:t>
             </a:r>
-            <a:endParaRPr lang="de-DE" dirty="0"/>
           </a:p>
         </p:txBody>
       </p:sp>
@@ -12583,10 +13062,9 @@
           <a:p>
             <a:pPr algn="ctr"/>
             <a:r>
-              <a:rPr lang="de-DE" dirty="0" smtClean="0"/>
+              <a:rPr lang="de-DE" dirty="0"/>
               <a:t>mx2 ≈ mx1</a:t>
             </a:r>
-            <a:endParaRPr lang="de-DE" dirty="0"/>
           </a:p>
         </p:txBody>
       </p:sp>
